--- a/PPT/omnichannel_frontend.pptx
+++ b/PPT/omnichannel_frontend.pptx
@@ -205,7 +205,7 @@
           <a:p>
             <a:fld id="{44B65459-4C01-9248-BDAA-F28591FAF6F5}" type="datetimeFigureOut">
               <a:rPr lang="en-US" smtClean="0"/>
-              <a:t>5/5/2022</a:t>
+              <a:t>5/6/22</a:t>
             </a:fld>
             <a:endParaRPr lang="en-US"/>
           </a:p>
@@ -363,7 +363,7 @@
           <a:p>
             <a:fld id="{69327042-6B61-B148-8485-8BBBFAA13D24}" type="slidenum">
               <a:rPr lang="en-US" smtClean="0"/>
-              <a:t>‹Nº›</a:t>
+              <a:t>‹#›</a:t>
             </a:fld>
             <a:endParaRPr lang="en-US"/>
           </a:p>
@@ -544,7 +544,7 @@
           <p:cNvPr id="2" name="Title 1">
             <a:extLst>
               <a:ext uri="{46C13A52-B3B8-4EE1-BD18-F6309B1BABA2}">
-                <a16:creationId xmlns:a16="http://schemas.microsoft.com/office/drawing/2010/main" xmlns:vt="http://schemas.openxmlformats.org/officeDocument/2006/docPropsVTypes" xmlns:ns1="http://schemas.openxmlformats.org/officeDocument/2006/extended-properties" xmlns:cs="http://schemas.microsoft.com/office/drawing/2012/chartStyle" xmlns:c="http://schemas.openxmlformats.org/drawingml/2006/chart" xmlns="" id="{3F454CE5-C37A-490E-AF4C-353531F05A16}"/>
+                <a16:creationId xmlns="" xmlns:c="http://schemas.openxmlformats.org/drawingml/2006/chart" xmlns:cs="http://schemas.microsoft.com/office/drawing/2012/chartStyle" xmlns:ns1="http://schemas.openxmlformats.org/officeDocument/2006/extended-properties" xmlns:vt="http://schemas.openxmlformats.org/officeDocument/2006/docPropsVTypes" xmlns:a16="http://schemas.microsoft.com/office/drawing/2010/main" id="{3F454CE5-C37A-490E-AF4C-353531F05A16}"/>
               </a:ext>
             </a:extLst>
           </p:cNvPr>
@@ -584,7 +584,7 @@
           <p:cNvPr id="3" name="Subtitle 2">
             <a:extLst>
               <a:ext uri="{3EE2A759-77B0-4D1A-A6E3-5559FC2E6B64}">
-                <a16:creationId xmlns:a16="http://schemas.microsoft.com/office/drawing/2010/main" xmlns:vt="http://schemas.openxmlformats.org/officeDocument/2006/docPropsVTypes" xmlns:ns1="http://schemas.openxmlformats.org/officeDocument/2006/extended-properties" xmlns:cs="http://schemas.microsoft.com/office/drawing/2012/chartStyle" xmlns:c="http://schemas.openxmlformats.org/drawingml/2006/chart" xmlns="" id="{B509903A-A797-485D-B43B-E3FFA7B3F768}"/>
+                <a16:creationId xmlns="" xmlns:c="http://schemas.openxmlformats.org/drawingml/2006/chart" xmlns:cs="http://schemas.microsoft.com/office/drawing/2012/chartStyle" xmlns:ns1="http://schemas.openxmlformats.org/officeDocument/2006/extended-properties" xmlns:vt="http://schemas.openxmlformats.org/officeDocument/2006/docPropsVTypes" xmlns:a16="http://schemas.microsoft.com/office/drawing/2010/main" id="{B509903A-A797-485D-B43B-E3FFA7B3F768}"/>
               </a:ext>
             </a:extLst>
           </p:cNvPr>
@@ -718,7 +718,7 @@
           <p:cNvPr id="4" name="Slide Number Placeholder 5">
             <a:extLst>
               <a:ext uri="{7176A01F-6AF4-406F-BE1B-3D9715DFEECA}">
-                <a16:creationId xmlns:a16="http://schemas.microsoft.com/office/drawing/2010/main" xmlns:vt="http://schemas.openxmlformats.org/officeDocument/2006/docPropsVTypes" xmlns:ns1="http://schemas.openxmlformats.org/officeDocument/2006/extended-properties" xmlns:cs="http://schemas.microsoft.com/office/drawing/2012/chartStyle" xmlns:c="http://schemas.openxmlformats.org/drawingml/2006/chart" xmlns="" id="{393593A9-5734-4D8A-8427-E521CDA7E212}"/>
+                <a16:creationId xmlns="" xmlns:c="http://schemas.openxmlformats.org/drawingml/2006/chart" xmlns:cs="http://schemas.microsoft.com/office/drawing/2012/chartStyle" xmlns:ns1="http://schemas.openxmlformats.org/officeDocument/2006/extended-properties" xmlns:vt="http://schemas.openxmlformats.org/officeDocument/2006/docPropsVTypes" xmlns:a16="http://schemas.microsoft.com/office/drawing/2010/main" id="{393593A9-5734-4D8A-8427-E521CDA7E212}"/>
               </a:ext>
             </a:extLst>
           </p:cNvPr>
@@ -748,7 +748,7 @@
           <p:cNvPr id="5" name="Footer Placeholder 4">
             <a:extLst>
               <a:ext uri="{3DFEB4B3-CEC3-484D-A1F5-B18C827D69AD}">
-                <a16:creationId xmlns:a16="http://schemas.microsoft.com/office/drawing/2010/main" xmlns:vt="http://schemas.openxmlformats.org/officeDocument/2006/docPropsVTypes" xmlns:ns1="http://schemas.openxmlformats.org/officeDocument/2006/extended-properties" xmlns:cs="http://schemas.microsoft.com/office/drawing/2012/chartStyle" xmlns:c="http://schemas.openxmlformats.org/drawingml/2006/chart" xmlns="" id="{C02D1FF6-0028-4F71-A8E2-ACB9ADB3E715}"/>
+                <a16:creationId xmlns="" xmlns:c="http://schemas.openxmlformats.org/drawingml/2006/chart" xmlns:cs="http://schemas.microsoft.com/office/drawing/2012/chartStyle" xmlns:ns1="http://schemas.openxmlformats.org/officeDocument/2006/extended-properties" xmlns:vt="http://schemas.openxmlformats.org/officeDocument/2006/docPropsVTypes" xmlns:a16="http://schemas.microsoft.com/office/drawing/2010/main" id="{C02D1FF6-0028-4F71-A8E2-ACB9ADB3E715}"/>
               </a:ext>
             </a:extLst>
           </p:cNvPr>
@@ -778,7 +778,7 @@
           <p:cNvPr id="6" name="Date Placeholder 3">
             <a:extLst>
               <a:ext uri="{CE5D7D96-DAEF-47A7-990C-9D4A5CDA93AF}">
-                <a16:creationId xmlns:a16="http://schemas.microsoft.com/office/drawing/2010/main" xmlns:vt="http://schemas.openxmlformats.org/officeDocument/2006/docPropsVTypes" xmlns:ns1="http://schemas.openxmlformats.org/officeDocument/2006/extended-properties" xmlns:cs="http://schemas.microsoft.com/office/drawing/2012/chartStyle" xmlns:c="http://schemas.openxmlformats.org/drawingml/2006/chart" xmlns="" id="{FA351297-9A79-4A20-966F-AE60A63CF483}"/>
+                <a16:creationId xmlns="" xmlns:c="http://schemas.openxmlformats.org/drawingml/2006/chart" xmlns:cs="http://schemas.microsoft.com/office/drawing/2012/chartStyle" xmlns:ns1="http://schemas.openxmlformats.org/officeDocument/2006/extended-properties" xmlns:vt="http://schemas.openxmlformats.org/officeDocument/2006/docPropsVTypes" xmlns:a16="http://schemas.microsoft.com/office/drawing/2010/main" id="{FA351297-9A79-4A20-966F-AE60A63CF483}"/>
               </a:ext>
             </a:extLst>
           </p:cNvPr>
@@ -806,7 +806,7 @@
     </p:spTree>
     <p:extLst>
       <p:ext uri="{2E774495-F112-4A9C-A184-A669AAB71411}">
-        <p14:creationId xmlns:p14="http://schemas.microsoft.com/office/powerpoint/2010/main" xmlns:vt="http://schemas.openxmlformats.org/officeDocument/2006/docPropsVTypes" xmlns:ns1="http://schemas.openxmlformats.org/officeDocument/2006/extended-properties" xmlns:cs="http://schemas.microsoft.com/office/drawing/2012/chartStyle" xmlns:c="http://schemas.openxmlformats.org/drawingml/2006/chart" xmlns="" val="1639045035655"/>
+        <p14:creationId xmlns="" xmlns:c="http://schemas.openxmlformats.org/drawingml/2006/chart" xmlns:cs="http://schemas.microsoft.com/office/drawing/2012/chartStyle" xmlns:ns1="http://schemas.openxmlformats.org/officeDocument/2006/extended-properties" xmlns:vt="http://schemas.openxmlformats.org/officeDocument/2006/docPropsVTypes" xmlns:p14="http://schemas.microsoft.com/office/powerpoint/2010/main" val="1639045035655"/>
       </p:ext>
     </p:extLst>
   </p:cSld>
@@ -838,7 +838,7 @@
           <p:cNvPr id="2" name="Rectangle 19">
             <a:extLst>
               <a:ext uri="{EB7605E7-D46F-426D-8160-56DB25526C7E}">
-                <a16:creationId xmlns:a16="http://schemas.microsoft.com/office/drawing/2010/main" xmlns:vt="http://schemas.openxmlformats.org/officeDocument/2006/docPropsVTypes" xmlns:ns1="http://schemas.openxmlformats.org/officeDocument/2006/extended-properties" xmlns:cs="http://schemas.microsoft.com/office/drawing/2012/chartStyle" xmlns:c="http://schemas.openxmlformats.org/drawingml/2006/chart" xmlns="" id="{4EE6DBFD-35ED-4424-82E0-AADFC2D7E1A5}"/>
+                <a16:creationId xmlns="" xmlns:c="http://schemas.openxmlformats.org/drawingml/2006/chart" xmlns:cs="http://schemas.microsoft.com/office/drawing/2012/chartStyle" xmlns:ns1="http://schemas.openxmlformats.org/officeDocument/2006/extended-properties" xmlns:vt="http://schemas.openxmlformats.org/officeDocument/2006/docPropsVTypes" xmlns:a16="http://schemas.microsoft.com/office/drawing/2010/main" id="{4EE6DBFD-35ED-4424-82E0-AADFC2D7E1A5}"/>
               </a:ext>
             </a:extLst>
           </p:cNvPr>
@@ -897,7 +897,7 @@
           <p:cNvPr id="3" name="Rectangle 20">
             <a:extLst>
               <a:ext uri="{819974EB-89D9-4292-AD35-74A8C92BED4A}">
-                <a16:creationId xmlns:a16="http://schemas.microsoft.com/office/drawing/2010/main" xmlns:vt="http://schemas.openxmlformats.org/officeDocument/2006/docPropsVTypes" xmlns:ns1="http://schemas.openxmlformats.org/officeDocument/2006/extended-properties" xmlns:cs="http://schemas.microsoft.com/office/drawing/2012/chartStyle" xmlns:c="http://schemas.openxmlformats.org/drawingml/2006/chart" xmlns="" id="{1FBF39F9-614B-4887-9DEA-6B742B4CC9C6}"/>
+                <a16:creationId xmlns="" xmlns:c="http://schemas.openxmlformats.org/drawingml/2006/chart" xmlns:cs="http://schemas.microsoft.com/office/drawing/2012/chartStyle" xmlns:ns1="http://schemas.openxmlformats.org/officeDocument/2006/extended-properties" xmlns:vt="http://schemas.openxmlformats.org/officeDocument/2006/docPropsVTypes" xmlns:a16="http://schemas.microsoft.com/office/drawing/2010/main" id="{1FBF39F9-614B-4887-9DEA-6B742B4CC9C6}"/>
               </a:ext>
             </a:extLst>
           </p:cNvPr>
@@ -956,7 +956,7 @@
           <p:cNvPr id="4" name="Rectangle 22">
             <a:extLst>
               <a:ext uri="{03C68D7B-CDCD-46A0-823E-ABEB195AA062}">
-                <a16:creationId xmlns:a16="http://schemas.microsoft.com/office/drawing/2010/main" xmlns:vt="http://schemas.openxmlformats.org/officeDocument/2006/docPropsVTypes" xmlns:ns1="http://schemas.openxmlformats.org/officeDocument/2006/extended-properties" xmlns:cs="http://schemas.microsoft.com/office/drawing/2012/chartStyle" xmlns:c="http://schemas.openxmlformats.org/drawingml/2006/chart" xmlns="" id="{9D93E7E0-B3B3-42AF-848D-7F93432B5E8F}"/>
+                <a16:creationId xmlns="" xmlns:c="http://schemas.openxmlformats.org/drawingml/2006/chart" xmlns:cs="http://schemas.microsoft.com/office/drawing/2012/chartStyle" xmlns:ns1="http://schemas.openxmlformats.org/officeDocument/2006/extended-properties" xmlns:vt="http://schemas.openxmlformats.org/officeDocument/2006/docPropsVTypes" xmlns:a16="http://schemas.microsoft.com/office/drawing/2010/main" id="{9D93E7E0-B3B3-42AF-848D-7F93432B5E8F}"/>
               </a:ext>
             </a:extLst>
           </p:cNvPr>
@@ -1036,7 +1036,7 @@
           <p:cNvPr id="5" name="Title 1">
             <a:extLst>
               <a:ext uri="{6DE95E87-C37A-4DA1-ADB2-433CC8302059}">
-                <a16:creationId xmlns:a16="http://schemas.microsoft.com/office/drawing/2010/main" xmlns:vt="http://schemas.openxmlformats.org/officeDocument/2006/docPropsVTypes" xmlns:ns1="http://schemas.openxmlformats.org/officeDocument/2006/extended-properties" xmlns:cs="http://schemas.microsoft.com/office/drawing/2012/chartStyle" xmlns:c="http://schemas.openxmlformats.org/drawingml/2006/chart" xmlns="" id="{0D8E242B-9D38-4849-98FC-797094D3F85B}"/>
+                <a16:creationId xmlns="" xmlns:c="http://schemas.openxmlformats.org/drawingml/2006/chart" xmlns:cs="http://schemas.microsoft.com/office/drawing/2012/chartStyle" xmlns:ns1="http://schemas.openxmlformats.org/officeDocument/2006/extended-properties" xmlns:vt="http://schemas.openxmlformats.org/officeDocument/2006/docPropsVTypes" xmlns:a16="http://schemas.microsoft.com/office/drawing/2010/main" id="{0D8E242B-9D38-4849-98FC-797094D3F85B}"/>
               </a:ext>
             </a:extLst>
           </p:cNvPr>
@@ -1066,7 +1066,7 @@
           <p:cNvPr id="6" name="Picture Placeholder 2">
             <a:extLst>
               <a:ext uri="{F54E5403-B984-42BC-BF88-E15A255CB72C}">
-                <a16:creationId xmlns:a16="http://schemas.microsoft.com/office/drawing/2010/main" xmlns:vt="http://schemas.openxmlformats.org/officeDocument/2006/docPropsVTypes" xmlns:ns1="http://schemas.openxmlformats.org/officeDocument/2006/extended-properties" xmlns:cs="http://schemas.microsoft.com/office/drawing/2012/chartStyle" xmlns:c="http://schemas.openxmlformats.org/drawingml/2006/chart" xmlns="" id="{0539E972-0D1B-4660-A6E4-664E6492BCC6}"/>
+                <a16:creationId xmlns="" xmlns:c="http://schemas.openxmlformats.org/drawingml/2006/chart" xmlns:cs="http://schemas.microsoft.com/office/drawing/2012/chartStyle" xmlns:ns1="http://schemas.openxmlformats.org/officeDocument/2006/extended-properties" xmlns:vt="http://schemas.openxmlformats.org/officeDocument/2006/docPropsVTypes" xmlns:a16="http://schemas.microsoft.com/office/drawing/2010/main" id="{0539E972-0D1B-4660-A6E4-664E6492BCC6}"/>
               </a:ext>
             </a:extLst>
           </p:cNvPr>
@@ -1108,7 +1108,7 @@
           <p:cNvPr id="7" name="Content Placeholder 2">
             <a:extLst>
               <a:ext uri="{AA77CD6D-1C85-47A4-89C5-EEA6D0660532}">
-                <a16:creationId xmlns:a16="http://schemas.microsoft.com/office/drawing/2010/main" xmlns:vt="http://schemas.openxmlformats.org/officeDocument/2006/docPropsVTypes" xmlns:ns1="http://schemas.openxmlformats.org/officeDocument/2006/extended-properties" xmlns:cs="http://schemas.microsoft.com/office/drawing/2012/chartStyle" xmlns:c="http://schemas.openxmlformats.org/drawingml/2006/chart" xmlns="" id="{D08CBBEA-E10B-43B0-A811-652DE05A9E12}"/>
+                <a16:creationId xmlns="" xmlns:c="http://schemas.openxmlformats.org/drawingml/2006/chart" xmlns:cs="http://schemas.microsoft.com/office/drawing/2012/chartStyle" xmlns:ns1="http://schemas.openxmlformats.org/officeDocument/2006/extended-properties" xmlns:vt="http://schemas.openxmlformats.org/officeDocument/2006/docPropsVTypes" xmlns:a16="http://schemas.microsoft.com/office/drawing/2010/main" id="{D08CBBEA-E10B-43B0-A811-652DE05A9E12}"/>
               </a:ext>
             </a:extLst>
           </p:cNvPr>
@@ -1217,7 +1217,7 @@
           <p:cNvPr id="8" name="Picture Placeholder 2">
             <a:extLst>
               <a:ext uri="{38283CAB-D41A-4D70-90EB-2933D14C3F5B}">
-                <a16:creationId xmlns:a16="http://schemas.microsoft.com/office/drawing/2010/main" xmlns:vt="http://schemas.openxmlformats.org/officeDocument/2006/docPropsVTypes" xmlns:ns1="http://schemas.openxmlformats.org/officeDocument/2006/extended-properties" xmlns:cs="http://schemas.microsoft.com/office/drawing/2012/chartStyle" xmlns:c="http://schemas.openxmlformats.org/drawingml/2006/chart" xmlns="" id="{99327623-35F2-48D0-83C5-685049712C0F}"/>
+                <a16:creationId xmlns="" xmlns:c="http://schemas.openxmlformats.org/drawingml/2006/chart" xmlns:cs="http://schemas.microsoft.com/office/drawing/2012/chartStyle" xmlns:ns1="http://schemas.openxmlformats.org/officeDocument/2006/extended-properties" xmlns:vt="http://schemas.openxmlformats.org/officeDocument/2006/docPropsVTypes" xmlns:a16="http://schemas.microsoft.com/office/drawing/2010/main" id="{99327623-35F2-48D0-83C5-685049712C0F}"/>
               </a:ext>
             </a:extLst>
           </p:cNvPr>
@@ -1259,7 +1259,7 @@
           <p:cNvPr id="9" name="Content Placeholder 2">
             <a:extLst>
               <a:ext uri="{67D85DF4-C560-466C-8FE8-4D580159B583}">
-                <a16:creationId xmlns:a16="http://schemas.microsoft.com/office/drawing/2010/main" xmlns:vt="http://schemas.openxmlformats.org/officeDocument/2006/docPropsVTypes" xmlns:ns1="http://schemas.openxmlformats.org/officeDocument/2006/extended-properties" xmlns:cs="http://schemas.microsoft.com/office/drawing/2012/chartStyle" xmlns:c="http://schemas.openxmlformats.org/drawingml/2006/chart" xmlns="" id="{9D64E9A4-D2FC-499B-9A64-35B4DD2C8260}"/>
+                <a16:creationId xmlns="" xmlns:c="http://schemas.openxmlformats.org/drawingml/2006/chart" xmlns:cs="http://schemas.microsoft.com/office/drawing/2012/chartStyle" xmlns:ns1="http://schemas.openxmlformats.org/officeDocument/2006/extended-properties" xmlns:vt="http://schemas.openxmlformats.org/officeDocument/2006/docPropsVTypes" xmlns:a16="http://schemas.microsoft.com/office/drawing/2010/main" id="{9D64E9A4-D2FC-499B-9A64-35B4DD2C8260}"/>
               </a:ext>
             </a:extLst>
           </p:cNvPr>
@@ -1368,7 +1368,7 @@
           <p:cNvPr id="10" name="Picture Placeholder 2">
             <a:extLst>
               <a:ext uri="{5E394AA7-3F46-475D-BEBA-F68A9A16AC86}">
-                <a16:creationId xmlns:a16="http://schemas.microsoft.com/office/drawing/2010/main" xmlns:vt="http://schemas.openxmlformats.org/officeDocument/2006/docPropsVTypes" xmlns:ns1="http://schemas.openxmlformats.org/officeDocument/2006/extended-properties" xmlns:cs="http://schemas.microsoft.com/office/drawing/2012/chartStyle" xmlns:c="http://schemas.openxmlformats.org/drawingml/2006/chart" xmlns="" id="{D8FB8375-41C8-43D2-93FA-1D74258640E7}"/>
+                <a16:creationId xmlns="" xmlns:c="http://schemas.openxmlformats.org/drawingml/2006/chart" xmlns:cs="http://schemas.microsoft.com/office/drawing/2012/chartStyle" xmlns:ns1="http://schemas.openxmlformats.org/officeDocument/2006/extended-properties" xmlns:vt="http://schemas.openxmlformats.org/officeDocument/2006/docPropsVTypes" xmlns:a16="http://schemas.microsoft.com/office/drawing/2010/main" id="{D8FB8375-41C8-43D2-93FA-1D74258640E7}"/>
               </a:ext>
             </a:extLst>
           </p:cNvPr>
@@ -1410,7 +1410,7 @@
           <p:cNvPr id="11" name="Content Placeholder 2">
             <a:extLst>
               <a:ext uri="{36782776-39F5-4492-95B7-DEC2EE5DFC35}">
-                <a16:creationId xmlns:a16="http://schemas.microsoft.com/office/drawing/2010/main" xmlns:vt="http://schemas.openxmlformats.org/officeDocument/2006/docPropsVTypes" xmlns:ns1="http://schemas.openxmlformats.org/officeDocument/2006/extended-properties" xmlns:cs="http://schemas.microsoft.com/office/drawing/2012/chartStyle" xmlns:c="http://schemas.openxmlformats.org/drawingml/2006/chart" xmlns="" id="{A09CF8F3-7CC0-4030-AD4A-8D9E0095B01E}"/>
+                <a16:creationId xmlns="" xmlns:c="http://schemas.openxmlformats.org/drawingml/2006/chart" xmlns:cs="http://schemas.microsoft.com/office/drawing/2012/chartStyle" xmlns:ns1="http://schemas.openxmlformats.org/officeDocument/2006/extended-properties" xmlns:vt="http://schemas.openxmlformats.org/officeDocument/2006/docPropsVTypes" xmlns:a16="http://schemas.microsoft.com/office/drawing/2010/main" id="{A09CF8F3-7CC0-4030-AD4A-8D9E0095B01E}"/>
               </a:ext>
             </a:extLst>
           </p:cNvPr>
@@ -1519,7 +1519,7 @@
           <p:cNvPr id="12" name="Slide Number Placeholder 4">
             <a:extLst>
               <a:ext uri="{9411DA64-7A70-49B4-800D-5780AB0E5ED2}">
-                <a16:creationId xmlns:a16="http://schemas.microsoft.com/office/drawing/2010/main" xmlns:vt="http://schemas.openxmlformats.org/officeDocument/2006/docPropsVTypes" xmlns:ns1="http://schemas.openxmlformats.org/officeDocument/2006/extended-properties" xmlns:cs="http://schemas.microsoft.com/office/drawing/2012/chartStyle" xmlns:c="http://schemas.openxmlformats.org/drawingml/2006/chart" xmlns="" id="{BE523BAA-8ACC-4551-95E0-1DD5C5B36D8F}"/>
+                <a16:creationId xmlns="" xmlns:c="http://schemas.openxmlformats.org/drawingml/2006/chart" xmlns:cs="http://schemas.microsoft.com/office/drawing/2012/chartStyle" xmlns:ns1="http://schemas.openxmlformats.org/officeDocument/2006/extended-properties" xmlns:vt="http://schemas.openxmlformats.org/officeDocument/2006/docPropsVTypes" xmlns:a16="http://schemas.microsoft.com/office/drawing/2010/main" id="{BE523BAA-8ACC-4551-95E0-1DD5C5B36D8F}"/>
               </a:ext>
             </a:extLst>
           </p:cNvPr>
@@ -1547,7 +1547,7 @@
           <p:cNvPr id="13" name="Footer Placeholder 3">
             <a:extLst>
               <a:ext uri="{11B5AB76-969A-4676-8D5C-C6FE52E77B11}">
-                <a16:creationId xmlns:a16="http://schemas.microsoft.com/office/drawing/2010/main" xmlns:vt="http://schemas.openxmlformats.org/officeDocument/2006/docPropsVTypes" xmlns:ns1="http://schemas.openxmlformats.org/officeDocument/2006/extended-properties" xmlns:cs="http://schemas.microsoft.com/office/drawing/2012/chartStyle" xmlns:c="http://schemas.openxmlformats.org/drawingml/2006/chart" xmlns="" id="{AF16357F-2759-43B5-B77F-3C7A9BA80DA2}"/>
+                <a16:creationId xmlns="" xmlns:c="http://schemas.openxmlformats.org/drawingml/2006/chart" xmlns:cs="http://schemas.microsoft.com/office/drawing/2012/chartStyle" xmlns:ns1="http://schemas.openxmlformats.org/officeDocument/2006/extended-properties" xmlns:vt="http://schemas.openxmlformats.org/officeDocument/2006/docPropsVTypes" xmlns:a16="http://schemas.microsoft.com/office/drawing/2010/main" id="{AF16357F-2759-43B5-B77F-3C7A9BA80DA2}"/>
               </a:ext>
             </a:extLst>
           </p:cNvPr>
@@ -1575,7 +1575,7 @@
           <p:cNvPr id="14" name="Date Placeholder 1">
             <a:extLst>
               <a:ext uri="{A085D093-DE7E-44C0-85C0-AB2C55A254FE}">
-                <a16:creationId xmlns:a16="http://schemas.microsoft.com/office/drawing/2010/main" xmlns:vt="http://schemas.openxmlformats.org/officeDocument/2006/docPropsVTypes" xmlns:ns1="http://schemas.openxmlformats.org/officeDocument/2006/extended-properties" xmlns:cs="http://schemas.microsoft.com/office/drawing/2012/chartStyle" xmlns:c="http://schemas.openxmlformats.org/drawingml/2006/chart" xmlns="" id="{05BD3052-93E1-4C54-A87A-09DFE2B70208}"/>
+                <a16:creationId xmlns="" xmlns:c="http://schemas.openxmlformats.org/drawingml/2006/chart" xmlns:cs="http://schemas.microsoft.com/office/drawing/2012/chartStyle" xmlns:ns1="http://schemas.openxmlformats.org/officeDocument/2006/extended-properties" xmlns:vt="http://schemas.openxmlformats.org/officeDocument/2006/docPropsVTypes" xmlns:a16="http://schemas.microsoft.com/office/drawing/2010/main" id="{05BD3052-93E1-4C54-A87A-09DFE2B70208}"/>
               </a:ext>
             </a:extLst>
           </p:cNvPr>
@@ -1604,7 +1604,7 @@
     </p:custDataLst>
     <p:extLst>
       <p:ext uri="{CFBC6B12-543A-4EFB-96AE-9B0A268F7762}">
-        <p14:creationId xmlns:p14="http://schemas.microsoft.com/office/powerpoint/2010/main" xmlns:vt="http://schemas.openxmlformats.org/officeDocument/2006/docPropsVTypes" xmlns:ns1="http://schemas.openxmlformats.org/officeDocument/2006/extended-properties" xmlns:cs="http://schemas.microsoft.com/office/drawing/2012/chartStyle" xmlns:c="http://schemas.openxmlformats.org/drawingml/2006/chart" xmlns="" val="1639045035678"/>
+        <p14:creationId xmlns="" xmlns:c="http://schemas.openxmlformats.org/drawingml/2006/chart" xmlns:cs="http://schemas.microsoft.com/office/drawing/2012/chartStyle" xmlns:ns1="http://schemas.openxmlformats.org/officeDocument/2006/extended-properties" xmlns:vt="http://schemas.openxmlformats.org/officeDocument/2006/docPropsVTypes" xmlns:p14="http://schemas.microsoft.com/office/powerpoint/2010/main" val="1639045035678"/>
       </p:ext>
     </p:extLst>
   </p:cSld>
@@ -1636,7 +1636,7 @@
           <p:cNvPr id="2" name="Title 1">
             <a:extLst>
               <a:ext uri="{D534B249-6EE8-4851-A4B9-651352787880}">
-                <a16:creationId xmlns:a16="http://schemas.microsoft.com/office/drawing/2010/main" xmlns:vt="http://schemas.openxmlformats.org/officeDocument/2006/docPropsVTypes" xmlns:ns1="http://schemas.openxmlformats.org/officeDocument/2006/extended-properties" xmlns:cs="http://schemas.microsoft.com/office/drawing/2012/chartStyle" xmlns:c="http://schemas.openxmlformats.org/drawingml/2006/chart" xmlns="" id="{553E11FF-64D5-45DD-B599-21DD154D0145}"/>
+                <a16:creationId xmlns="" xmlns:c="http://schemas.openxmlformats.org/drawingml/2006/chart" xmlns:cs="http://schemas.microsoft.com/office/drawing/2012/chartStyle" xmlns:ns1="http://schemas.openxmlformats.org/officeDocument/2006/extended-properties" xmlns:vt="http://schemas.openxmlformats.org/officeDocument/2006/docPropsVTypes" xmlns:a16="http://schemas.microsoft.com/office/drawing/2010/main" id="{553E11FF-64D5-45DD-B599-21DD154D0145}"/>
               </a:ext>
             </a:extLst>
           </p:cNvPr>
@@ -1666,7 +1666,7 @@
           <p:cNvPr id="3" name="Picture Placeholder 2">
             <a:extLst>
               <a:ext uri="{653ED9C7-61A2-4A70-9D09-13FEAF641D67}">
-                <a16:creationId xmlns:a16="http://schemas.microsoft.com/office/drawing/2010/main" xmlns:vt="http://schemas.openxmlformats.org/officeDocument/2006/docPropsVTypes" xmlns:ns1="http://schemas.openxmlformats.org/officeDocument/2006/extended-properties" xmlns:cs="http://schemas.microsoft.com/office/drawing/2012/chartStyle" xmlns:c="http://schemas.openxmlformats.org/drawingml/2006/chart" xmlns="" id="{C003D606-BF86-40D1-BD4A-3C3ED630987C}"/>
+                <a16:creationId xmlns="" xmlns:c="http://schemas.openxmlformats.org/drawingml/2006/chart" xmlns:cs="http://schemas.microsoft.com/office/drawing/2012/chartStyle" xmlns:ns1="http://schemas.openxmlformats.org/officeDocument/2006/extended-properties" xmlns:vt="http://schemas.openxmlformats.org/officeDocument/2006/docPropsVTypes" xmlns:a16="http://schemas.microsoft.com/office/drawing/2010/main" id="{C003D606-BF86-40D1-BD4A-3C3ED630987C}"/>
               </a:ext>
             </a:extLst>
           </p:cNvPr>
@@ -1708,7 +1708,7 @@
           <p:cNvPr id="4" name="Picture Placeholder 2">
             <a:extLst>
               <a:ext uri="{E6C0B58A-171D-4D29-9409-9A241492A96B}">
-                <a16:creationId xmlns:a16="http://schemas.microsoft.com/office/drawing/2010/main" xmlns:vt="http://schemas.openxmlformats.org/officeDocument/2006/docPropsVTypes" xmlns:ns1="http://schemas.openxmlformats.org/officeDocument/2006/extended-properties" xmlns:cs="http://schemas.microsoft.com/office/drawing/2012/chartStyle" xmlns:c="http://schemas.openxmlformats.org/drawingml/2006/chart" xmlns="" id="{2167B9AE-3C77-4C48-8E1A-569D3EE92491}"/>
+                <a16:creationId xmlns="" xmlns:c="http://schemas.openxmlformats.org/drawingml/2006/chart" xmlns:cs="http://schemas.microsoft.com/office/drawing/2012/chartStyle" xmlns:ns1="http://schemas.openxmlformats.org/officeDocument/2006/extended-properties" xmlns:vt="http://schemas.openxmlformats.org/officeDocument/2006/docPropsVTypes" xmlns:a16="http://schemas.microsoft.com/office/drawing/2010/main" id="{2167B9AE-3C77-4C48-8E1A-569D3EE92491}"/>
               </a:ext>
             </a:extLst>
           </p:cNvPr>
@@ -1750,7 +1750,7 @@
           <p:cNvPr id="5" name="Picture Placeholder 2">
             <a:extLst>
               <a:ext uri="{DFAE4B57-FE79-4C6D-91BD-28553571EF64}">
-                <a16:creationId xmlns:a16="http://schemas.microsoft.com/office/drawing/2010/main" xmlns:vt="http://schemas.openxmlformats.org/officeDocument/2006/docPropsVTypes" xmlns:ns1="http://schemas.openxmlformats.org/officeDocument/2006/extended-properties" xmlns:cs="http://schemas.microsoft.com/office/drawing/2012/chartStyle" xmlns:c="http://schemas.openxmlformats.org/drawingml/2006/chart" xmlns="" id="{3B316E35-B08E-4EEA-B688-9F37AAC30CD4}"/>
+                <a16:creationId xmlns="" xmlns:c="http://schemas.openxmlformats.org/drawingml/2006/chart" xmlns:cs="http://schemas.microsoft.com/office/drawing/2012/chartStyle" xmlns:ns1="http://schemas.openxmlformats.org/officeDocument/2006/extended-properties" xmlns:vt="http://schemas.openxmlformats.org/officeDocument/2006/docPropsVTypes" xmlns:a16="http://schemas.microsoft.com/office/drawing/2010/main" id="{3B316E35-B08E-4EEA-B688-9F37AAC30CD4}"/>
               </a:ext>
             </a:extLst>
           </p:cNvPr>
@@ -1792,7 +1792,7 @@
           <p:cNvPr id="6" name="Picture Placeholder 2">
             <a:extLst>
               <a:ext uri="{FA49B9AD-4F00-42B5-BE28-9760A485426B}">
-                <a16:creationId xmlns:a16="http://schemas.microsoft.com/office/drawing/2010/main" xmlns:vt="http://schemas.openxmlformats.org/officeDocument/2006/docPropsVTypes" xmlns:ns1="http://schemas.openxmlformats.org/officeDocument/2006/extended-properties" xmlns:cs="http://schemas.microsoft.com/office/drawing/2012/chartStyle" xmlns:c="http://schemas.openxmlformats.org/drawingml/2006/chart" xmlns="" id="{75D1F67F-2B1B-4EBB-9E7F-EB5DA7372021}"/>
+                <a16:creationId xmlns="" xmlns:c="http://schemas.openxmlformats.org/drawingml/2006/chart" xmlns:cs="http://schemas.microsoft.com/office/drawing/2012/chartStyle" xmlns:ns1="http://schemas.openxmlformats.org/officeDocument/2006/extended-properties" xmlns:vt="http://schemas.openxmlformats.org/officeDocument/2006/docPropsVTypes" xmlns:a16="http://schemas.microsoft.com/office/drawing/2010/main" id="{75D1F67F-2B1B-4EBB-9E7F-EB5DA7372021}"/>
               </a:ext>
             </a:extLst>
           </p:cNvPr>
@@ -1834,7 +1834,7 @@
           <p:cNvPr id="7" name="Slide Number Placeholder 4">
             <a:extLst>
               <a:ext uri="{387C6C88-E8FF-42AF-A3D8-A2188E48D8BA}">
-                <a16:creationId xmlns:a16="http://schemas.microsoft.com/office/drawing/2010/main" xmlns:vt="http://schemas.openxmlformats.org/officeDocument/2006/docPropsVTypes" xmlns:ns1="http://schemas.openxmlformats.org/officeDocument/2006/extended-properties" xmlns:cs="http://schemas.microsoft.com/office/drawing/2012/chartStyle" xmlns:c="http://schemas.openxmlformats.org/drawingml/2006/chart" xmlns="" id="{D59A152E-6C8F-471F-96C8-F42DCEEB21D1}"/>
+                <a16:creationId xmlns="" xmlns:c="http://schemas.openxmlformats.org/drawingml/2006/chart" xmlns:cs="http://schemas.microsoft.com/office/drawing/2012/chartStyle" xmlns:ns1="http://schemas.openxmlformats.org/officeDocument/2006/extended-properties" xmlns:vt="http://schemas.openxmlformats.org/officeDocument/2006/docPropsVTypes" xmlns:a16="http://schemas.microsoft.com/office/drawing/2010/main" id="{D59A152E-6C8F-471F-96C8-F42DCEEB21D1}"/>
               </a:ext>
             </a:extLst>
           </p:cNvPr>
@@ -1862,7 +1862,7 @@
           <p:cNvPr id="8" name="Footer Placeholder 3">
             <a:extLst>
               <a:ext uri="{FB6F5B1B-4915-415A-B400-0B464F99CF98}">
-                <a16:creationId xmlns:a16="http://schemas.microsoft.com/office/drawing/2010/main" xmlns:vt="http://schemas.openxmlformats.org/officeDocument/2006/docPropsVTypes" xmlns:ns1="http://schemas.openxmlformats.org/officeDocument/2006/extended-properties" xmlns:cs="http://schemas.microsoft.com/office/drawing/2012/chartStyle" xmlns:c="http://schemas.openxmlformats.org/drawingml/2006/chart" xmlns="" id="{51CA9738-E56A-4CD8-89AB-02A85598024C}"/>
+                <a16:creationId xmlns="" xmlns:c="http://schemas.openxmlformats.org/drawingml/2006/chart" xmlns:cs="http://schemas.microsoft.com/office/drawing/2012/chartStyle" xmlns:ns1="http://schemas.openxmlformats.org/officeDocument/2006/extended-properties" xmlns:vt="http://schemas.openxmlformats.org/officeDocument/2006/docPropsVTypes" xmlns:a16="http://schemas.microsoft.com/office/drawing/2010/main" id="{51CA9738-E56A-4CD8-89AB-02A85598024C}"/>
               </a:ext>
             </a:extLst>
           </p:cNvPr>
@@ -1890,7 +1890,7 @@
           <p:cNvPr id="9" name="Date Placeholder 1">
             <a:extLst>
               <a:ext uri="{0058DB75-4D92-47E2-8573-EC3002B9F7ED}">
-                <a16:creationId xmlns:a16="http://schemas.microsoft.com/office/drawing/2010/main" xmlns:vt="http://schemas.openxmlformats.org/officeDocument/2006/docPropsVTypes" xmlns:ns1="http://schemas.openxmlformats.org/officeDocument/2006/extended-properties" xmlns:cs="http://schemas.microsoft.com/office/drawing/2012/chartStyle" xmlns:c="http://schemas.openxmlformats.org/drawingml/2006/chart" xmlns="" id="{3952836D-357E-4E61-8064-2CB2D68E370E}"/>
+                <a16:creationId xmlns="" xmlns:c="http://schemas.openxmlformats.org/drawingml/2006/chart" xmlns:cs="http://schemas.microsoft.com/office/drawing/2012/chartStyle" xmlns:ns1="http://schemas.openxmlformats.org/officeDocument/2006/extended-properties" xmlns:vt="http://schemas.openxmlformats.org/officeDocument/2006/docPropsVTypes" xmlns:a16="http://schemas.microsoft.com/office/drawing/2010/main" id="{3952836D-357E-4E61-8064-2CB2D68E370E}"/>
               </a:ext>
             </a:extLst>
           </p:cNvPr>
@@ -1919,7 +1919,7 @@
     </p:custDataLst>
     <p:extLst>
       <p:ext uri="{313463FD-2432-4623-A294-771F3B00A0A4}">
-        <p14:creationId xmlns:p14="http://schemas.microsoft.com/office/powerpoint/2010/main" xmlns:vt="http://schemas.openxmlformats.org/officeDocument/2006/docPropsVTypes" xmlns:ns1="http://schemas.openxmlformats.org/officeDocument/2006/extended-properties" xmlns:cs="http://schemas.microsoft.com/office/drawing/2012/chartStyle" xmlns:c="http://schemas.openxmlformats.org/drawingml/2006/chart" xmlns="" val="1639045035683"/>
+        <p14:creationId xmlns="" xmlns:c="http://schemas.openxmlformats.org/drawingml/2006/chart" xmlns:cs="http://schemas.microsoft.com/office/drawing/2012/chartStyle" xmlns:ns1="http://schemas.openxmlformats.org/officeDocument/2006/extended-properties" xmlns:vt="http://schemas.openxmlformats.org/officeDocument/2006/docPropsVTypes" xmlns:p14="http://schemas.microsoft.com/office/powerpoint/2010/main" val="1639045035683"/>
       </p:ext>
     </p:extLst>
   </p:cSld>
@@ -2103,7 +2103,7 @@
           <p:cNvPr id="2" name="Title 7">
             <a:extLst>
               <a:ext uri="{11560C4E-11B0-4F7D-A43C-B00C23A84424}">
-                <a16:creationId xmlns:a16="http://schemas.microsoft.com/office/drawing/2010/main" xmlns:vt="http://schemas.openxmlformats.org/officeDocument/2006/docPropsVTypes" xmlns:ns1="http://schemas.openxmlformats.org/officeDocument/2006/extended-properties" xmlns:cs="http://schemas.microsoft.com/office/drawing/2012/chartStyle" xmlns:c="http://schemas.openxmlformats.org/drawingml/2006/chart" xmlns="" id="{C03A3691-1C8C-44F2-86D1-0BFD503F1768}"/>
+                <a16:creationId xmlns="" xmlns:c="http://schemas.openxmlformats.org/drawingml/2006/chart" xmlns:cs="http://schemas.microsoft.com/office/drawing/2012/chartStyle" xmlns:ns1="http://schemas.openxmlformats.org/officeDocument/2006/extended-properties" xmlns:vt="http://schemas.openxmlformats.org/officeDocument/2006/docPropsVTypes" xmlns:a16="http://schemas.microsoft.com/office/drawing/2010/main" id="{C03A3691-1C8C-44F2-86D1-0BFD503F1768}"/>
               </a:ext>
             </a:extLst>
           </p:cNvPr>
@@ -2133,7 +2133,7 @@
           <p:cNvPr id="3" name="Content Placeholder 2">
             <a:extLst>
               <a:ext uri="{5DBD9151-28DE-43FE-9881-0419187DC957}">
-                <a16:creationId xmlns:a16="http://schemas.microsoft.com/office/drawing/2010/main" xmlns:vt="http://schemas.openxmlformats.org/officeDocument/2006/docPropsVTypes" xmlns:ns1="http://schemas.openxmlformats.org/officeDocument/2006/extended-properties" xmlns:cs="http://schemas.microsoft.com/office/drawing/2012/chartStyle" xmlns:c="http://schemas.openxmlformats.org/drawingml/2006/chart" xmlns="" id="{C30769E7-AE7A-47C4-B578-78E97951DB5E}"/>
+                <a16:creationId xmlns="" xmlns:c="http://schemas.openxmlformats.org/drawingml/2006/chart" xmlns:cs="http://schemas.microsoft.com/office/drawing/2012/chartStyle" xmlns:ns1="http://schemas.openxmlformats.org/officeDocument/2006/extended-properties" xmlns:vt="http://schemas.openxmlformats.org/officeDocument/2006/docPropsVTypes" xmlns:a16="http://schemas.microsoft.com/office/drawing/2010/main" id="{C30769E7-AE7A-47C4-B578-78E97951DB5E}"/>
               </a:ext>
             </a:extLst>
           </p:cNvPr>
@@ -2196,7 +2196,7 @@
           <p:cNvPr id="4" name="Slide Number Placeholder 4">
             <a:extLst>
               <a:ext uri="{93FCDDAB-5BD3-4D60-8272-35A8F953C374}">
-                <a16:creationId xmlns:a16="http://schemas.microsoft.com/office/drawing/2010/main" xmlns:vt="http://schemas.openxmlformats.org/officeDocument/2006/docPropsVTypes" xmlns:ns1="http://schemas.openxmlformats.org/officeDocument/2006/extended-properties" xmlns:cs="http://schemas.microsoft.com/office/drawing/2012/chartStyle" xmlns:c="http://schemas.openxmlformats.org/drawingml/2006/chart" xmlns="" id="{5651D6D4-FEE7-4B64-9272-718E86BF8006}"/>
+                <a16:creationId xmlns="" xmlns:c="http://schemas.openxmlformats.org/drawingml/2006/chart" xmlns:cs="http://schemas.microsoft.com/office/drawing/2012/chartStyle" xmlns:ns1="http://schemas.openxmlformats.org/officeDocument/2006/extended-properties" xmlns:vt="http://schemas.openxmlformats.org/officeDocument/2006/docPropsVTypes" xmlns:a16="http://schemas.microsoft.com/office/drawing/2010/main" id="{5651D6D4-FEE7-4B64-9272-718E86BF8006}"/>
               </a:ext>
             </a:extLst>
           </p:cNvPr>
@@ -2224,7 +2224,7 @@
           <p:cNvPr id="5" name="Footer Placeholder 3">
             <a:extLst>
               <a:ext uri="{01499BAF-8EE8-4447-80AE-F727837FE2E9}">
-                <a16:creationId xmlns:a16="http://schemas.microsoft.com/office/drawing/2010/main" xmlns:vt="http://schemas.openxmlformats.org/officeDocument/2006/docPropsVTypes" xmlns:ns1="http://schemas.openxmlformats.org/officeDocument/2006/extended-properties" xmlns:cs="http://schemas.microsoft.com/office/drawing/2012/chartStyle" xmlns:c="http://schemas.openxmlformats.org/drawingml/2006/chart" xmlns="" id="{0420CCFF-F829-4F34-A0C1-370B9976DEC1}"/>
+                <a16:creationId xmlns="" xmlns:c="http://schemas.openxmlformats.org/drawingml/2006/chart" xmlns:cs="http://schemas.microsoft.com/office/drawing/2012/chartStyle" xmlns:ns1="http://schemas.openxmlformats.org/officeDocument/2006/extended-properties" xmlns:vt="http://schemas.openxmlformats.org/officeDocument/2006/docPropsVTypes" xmlns:a16="http://schemas.microsoft.com/office/drawing/2010/main" id="{0420CCFF-F829-4F34-A0C1-370B9976DEC1}"/>
               </a:ext>
             </a:extLst>
           </p:cNvPr>
@@ -2252,7 +2252,7 @@
           <p:cNvPr id="6" name="Date Placeholder 1">
             <a:extLst>
               <a:ext uri="{7ADBCB83-B75F-428A-B3AB-3512B2D127C8}">
-                <a16:creationId xmlns:a16="http://schemas.microsoft.com/office/drawing/2010/main" xmlns:vt="http://schemas.openxmlformats.org/officeDocument/2006/docPropsVTypes" xmlns:ns1="http://schemas.openxmlformats.org/officeDocument/2006/extended-properties" xmlns:cs="http://schemas.microsoft.com/office/drawing/2012/chartStyle" xmlns:c="http://schemas.openxmlformats.org/drawingml/2006/chart" xmlns="" id="{93547B45-7DBB-4486-A5E5-DC61D93A0C16}"/>
+                <a16:creationId xmlns="" xmlns:c="http://schemas.openxmlformats.org/drawingml/2006/chart" xmlns:cs="http://schemas.microsoft.com/office/drawing/2012/chartStyle" xmlns:ns1="http://schemas.openxmlformats.org/officeDocument/2006/extended-properties" xmlns:vt="http://schemas.openxmlformats.org/officeDocument/2006/docPropsVTypes" xmlns:a16="http://schemas.microsoft.com/office/drawing/2010/main" id="{93547B45-7DBB-4486-A5E5-DC61D93A0C16}"/>
               </a:ext>
             </a:extLst>
           </p:cNvPr>
@@ -2278,7 +2278,7 @@
     </p:spTree>
     <p:extLst>
       <p:ext uri="{8B0C1F85-B723-4E3D-B925-8113BDA24531}">
-        <p14:creationId xmlns:p14="http://schemas.microsoft.com/office/powerpoint/2010/main" xmlns:vt="http://schemas.openxmlformats.org/officeDocument/2006/docPropsVTypes" xmlns:ns1="http://schemas.openxmlformats.org/officeDocument/2006/extended-properties" xmlns:cs="http://schemas.microsoft.com/office/drawing/2012/chartStyle" xmlns:c="http://schemas.openxmlformats.org/drawingml/2006/chart" xmlns="" val="1639045035658"/>
+        <p14:creationId xmlns="" xmlns:c="http://schemas.openxmlformats.org/drawingml/2006/chart" xmlns:cs="http://schemas.microsoft.com/office/drawing/2012/chartStyle" xmlns:ns1="http://schemas.openxmlformats.org/officeDocument/2006/extended-properties" xmlns:vt="http://schemas.openxmlformats.org/officeDocument/2006/docPropsVTypes" xmlns:p14="http://schemas.microsoft.com/office/powerpoint/2010/main" val="1639045035658"/>
       </p:ext>
     </p:extLst>
   </p:cSld>
@@ -2310,7 +2310,7 @@
           <p:cNvPr id="2" name="Text Placeholder 2">
             <a:extLst>
               <a:ext uri="{6618D1CC-BF19-4A43-B93F-43251670DCE5}">
-                <a16:creationId xmlns:a16="http://schemas.microsoft.com/office/drawing/2010/main" xmlns:vt="http://schemas.openxmlformats.org/officeDocument/2006/docPropsVTypes" xmlns:ns1="http://schemas.openxmlformats.org/officeDocument/2006/extended-properties" xmlns:cs="http://schemas.microsoft.com/office/drawing/2012/chartStyle" xmlns:c="http://schemas.openxmlformats.org/drawingml/2006/chart" xmlns="" id="{944E348F-632B-4D3F-BB3E-0BB968322E86}"/>
+                <a16:creationId xmlns="" xmlns:c="http://schemas.openxmlformats.org/drawingml/2006/chart" xmlns:cs="http://schemas.microsoft.com/office/drawing/2012/chartStyle" xmlns:ns1="http://schemas.openxmlformats.org/officeDocument/2006/extended-properties" xmlns:vt="http://schemas.openxmlformats.org/officeDocument/2006/docPropsVTypes" xmlns:a16="http://schemas.microsoft.com/office/drawing/2010/main" id="{944E348F-632B-4D3F-BB3E-0BB968322E86}"/>
               </a:ext>
             </a:extLst>
           </p:cNvPr>
@@ -2442,7 +2442,7 @@
           <p:cNvPr id="3" name="Title 1">
             <a:extLst>
               <a:ext uri="{A78025D1-723A-453D-849B-FCDBA5A123C0}">
-                <a16:creationId xmlns:a16="http://schemas.microsoft.com/office/drawing/2010/main" xmlns:vt="http://schemas.openxmlformats.org/officeDocument/2006/docPropsVTypes" xmlns:ns1="http://schemas.openxmlformats.org/officeDocument/2006/extended-properties" xmlns:cs="http://schemas.microsoft.com/office/drawing/2012/chartStyle" xmlns:c="http://schemas.openxmlformats.org/drawingml/2006/chart" xmlns="" id="{E7EF7E09-D716-485D-B1CF-2026CA7F50C6}"/>
+                <a16:creationId xmlns="" xmlns:c="http://schemas.openxmlformats.org/drawingml/2006/chart" xmlns:cs="http://schemas.microsoft.com/office/drawing/2012/chartStyle" xmlns:ns1="http://schemas.openxmlformats.org/officeDocument/2006/extended-properties" xmlns:vt="http://schemas.openxmlformats.org/officeDocument/2006/docPropsVTypes" xmlns:a16="http://schemas.microsoft.com/office/drawing/2010/main" id="{E7EF7E09-D716-485D-B1CF-2026CA7F50C6}"/>
               </a:ext>
             </a:extLst>
           </p:cNvPr>
@@ -2482,7 +2482,7 @@
           <p:cNvPr id="4" name="Slide Number Placeholder 5">
             <a:extLst>
               <a:ext uri="{5D7F64EE-775C-4DE1-8D4F-D49A802E79BD}">
-                <a16:creationId xmlns:a16="http://schemas.microsoft.com/office/drawing/2010/main" xmlns:vt="http://schemas.openxmlformats.org/officeDocument/2006/docPropsVTypes" xmlns:ns1="http://schemas.openxmlformats.org/officeDocument/2006/extended-properties" xmlns:cs="http://schemas.microsoft.com/office/drawing/2012/chartStyle" xmlns:c="http://schemas.openxmlformats.org/drawingml/2006/chart" xmlns="" id="{EA055A51-ADF4-4CC0-8A2E-31B732FA85D4}"/>
+                <a16:creationId xmlns="" xmlns:c="http://schemas.openxmlformats.org/drawingml/2006/chart" xmlns:cs="http://schemas.microsoft.com/office/drawing/2012/chartStyle" xmlns:ns1="http://schemas.openxmlformats.org/officeDocument/2006/extended-properties" xmlns:vt="http://schemas.openxmlformats.org/officeDocument/2006/docPropsVTypes" xmlns:a16="http://schemas.microsoft.com/office/drawing/2010/main" id="{EA055A51-ADF4-4CC0-8A2E-31B732FA85D4}"/>
               </a:ext>
             </a:extLst>
           </p:cNvPr>
@@ -2512,7 +2512,7 @@
           <p:cNvPr id="5" name="Footer Placeholder 4">
             <a:extLst>
               <a:ext uri="{49C1DA78-5456-415D-8DB8-FA966F6E53C0}">
-                <a16:creationId xmlns:a16="http://schemas.microsoft.com/office/drawing/2010/main" xmlns:vt="http://schemas.openxmlformats.org/officeDocument/2006/docPropsVTypes" xmlns:ns1="http://schemas.openxmlformats.org/officeDocument/2006/extended-properties" xmlns:cs="http://schemas.microsoft.com/office/drawing/2012/chartStyle" xmlns:c="http://schemas.openxmlformats.org/drawingml/2006/chart" xmlns="" id="{F9B07626-78F8-47B7-A289-8706136AC7A0}"/>
+                <a16:creationId xmlns="" xmlns:c="http://schemas.openxmlformats.org/drawingml/2006/chart" xmlns:cs="http://schemas.microsoft.com/office/drawing/2012/chartStyle" xmlns:ns1="http://schemas.openxmlformats.org/officeDocument/2006/extended-properties" xmlns:vt="http://schemas.openxmlformats.org/officeDocument/2006/docPropsVTypes" xmlns:a16="http://schemas.microsoft.com/office/drawing/2010/main" id="{F9B07626-78F8-47B7-A289-8706136AC7A0}"/>
               </a:ext>
             </a:extLst>
           </p:cNvPr>
@@ -2542,7 +2542,7 @@
           <p:cNvPr id="6" name="Date Placeholder 3">
             <a:extLst>
               <a:ext uri="{D4F881CA-5CE6-4EA5-A641-D3CD253E6181}">
-                <a16:creationId xmlns:a16="http://schemas.microsoft.com/office/drawing/2010/main" xmlns:vt="http://schemas.openxmlformats.org/officeDocument/2006/docPropsVTypes" xmlns:ns1="http://schemas.openxmlformats.org/officeDocument/2006/extended-properties" xmlns:cs="http://schemas.microsoft.com/office/drawing/2012/chartStyle" xmlns:c="http://schemas.openxmlformats.org/drawingml/2006/chart" xmlns="" id="{2C927351-6DC5-4AC3-8BC0-24F876537000}"/>
+                <a16:creationId xmlns="" xmlns:c="http://schemas.openxmlformats.org/drawingml/2006/chart" xmlns:cs="http://schemas.microsoft.com/office/drawing/2012/chartStyle" xmlns:ns1="http://schemas.openxmlformats.org/officeDocument/2006/extended-properties" xmlns:vt="http://schemas.openxmlformats.org/officeDocument/2006/docPropsVTypes" xmlns:a16="http://schemas.microsoft.com/office/drawing/2010/main" id="{2C927351-6DC5-4AC3-8BC0-24F876537000}"/>
               </a:ext>
             </a:extLst>
           </p:cNvPr>
@@ -2570,7 +2570,7 @@
     </p:spTree>
     <p:extLst>
       <p:ext uri="{B80E64FA-19AE-4349-A4A6-4C7B42DF6E1C}">
-        <p14:creationId xmlns:p14="http://schemas.microsoft.com/office/powerpoint/2010/main" xmlns:vt="http://schemas.openxmlformats.org/officeDocument/2006/docPropsVTypes" xmlns:ns1="http://schemas.openxmlformats.org/officeDocument/2006/extended-properties" xmlns:cs="http://schemas.microsoft.com/office/drawing/2012/chartStyle" xmlns:c="http://schemas.openxmlformats.org/drawingml/2006/chart" xmlns="" val="1639045035660"/>
+        <p14:creationId xmlns="" xmlns:c="http://schemas.openxmlformats.org/drawingml/2006/chart" xmlns:cs="http://schemas.microsoft.com/office/drawing/2012/chartStyle" xmlns:ns1="http://schemas.openxmlformats.org/officeDocument/2006/extended-properties" xmlns:vt="http://schemas.openxmlformats.org/officeDocument/2006/docPropsVTypes" xmlns:p14="http://schemas.microsoft.com/office/powerpoint/2010/main" val="1639045035660"/>
       </p:ext>
     </p:extLst>
   </p:cSld>
@@ -2602,7 +2602,7 @@
           <p:cNvPr id="2" name="Title 1">
             <a:extLst>
               <a:ext uri="{70805C76-0FDE-4BFF-8F3B-E36F49438178}">
-                <a16:creationId xmlns:a16="http://schemas.microsoft.com/office/drawing/2010/main" xmlns:vt="http://schemas.openxmlformats.org/officeDocument/2006/docPropsVTypes" xmlns:ns1="http://schemas.openxmlformats.org/officeDocument/2006/extended-properties" xmlns:cs="http://schemas.microsoft.com/office/drawing/2012/chartStyle" xmlns:c="http://schemas.openxmlformats.org/drawingml/2006/chart" xmlns="" id="{8EC07F1E-4B39-421F-A8FA-5F8F89B9CDD1}"/>
+                <a16:creationId xmlns="" xmlns:c="http://schemas.openxmlformats.org/drawingml/2006/chart" xmlns:cs="http://schemas.microsoft.com/office/drawing/2012/chartStyle" xmlns:ns1="http://schemas.openxmlformats.org/officeDocument/2006/extended-properties" xmlns:vt="http://schemas.openxmlformats.org/officeDocument/2006/docPropsVTypes" xmlns:a16="http://schemas.microsoft.com/office/drawing/2010/main" id="{8EC07F1E-4B39-421F-A8FA-5F8F89B9CDD1}"/>
               </a:ext>
             </a:extLst>
           </p:cNvPr>
@@ -2632,7 +2632,7 @@
           <p:cNvPr id="3" name="Content Placeholder 2">
             <a:extLst>
               <a:ext uri="{93E72594-A263-40C9-B8B8-57CC49FF1F1E}">
-                <a16:creationId xmlns:a16="http://schemas.microsoft.com/office/drawing/2010/main" xmlns:vt="http://schemas.openxmlformats.org/officeDocument/2006/docPropsVTypes" xmlns:ns1="http://schemas.openxmlformats.org/officeDocument/2006/extended-properties" xmlns:cs="http://schemas.microsoft.com/office/drawing/2012/chartStyle" xmlns:c="http://schemas.openxmlformats.org/drawingml/2006/chart" xmlns="" id="{E97BAF73-6C30-4D5F-B258-607A7E3441B9}"/>
+                <a16:creationId xmlns="" xmlns:c="http://schemas.openxmlformats.org/drawingml/2006/chart" xmlns:cs="http://schemas.microsoft.com/office/drawing/2012/chartStyle" xmlns:ns1="http://schemas.openxmlformats.org/officeDocument/2006/extended-properties" xmlns:vt="http://schemas.openxmlformats.org/officeDocument/2006/docPropsVTypes" xmlns:a16="http://schemas.microsoft.com/office/drawing/2010/main" id="{E97BAF73-6C30-4D5F-B258-607A7E3441B9}"/>
               </a:ext>
             </a:extLst>
           </p:cNvPr>
@@ -2700,7 +2700,7 @@
           <p:cNvPr id="4" name="Content Placeholder 2">
             <a:extLst>
               <a:ext uri="{5D5857CF-BECD-427D-A074-E974AF9BDF69}">
-                <a16:creationId xmlns:a16="http://schemas.microsoft.com/office/drawing/2010/main" xmlns:vt="http://schemas.openxmlformats.org/officeDocument/2006/docPropsVTypes" xmlns:ns1="http://schemas.openxmlformats.org/officeDocument/2006/extended-properties" xmlns:cs="http://schemas.microsoft.com/office/drawing/2012/chartStyle" xmlns:c="http://schemas.openxmlformats.org/drawingml/2006/chart" xmlns="" id="{90FB5643-BEEB-4E35-B460-2234F3AFAD6C}"/>
+                <a16:creationId xmlns="" xmlns:c="http://schemas.openxmlformats.org/drawingml/2006/chart" xmlns:cs="http://schemas.microsoft.com/office/drawing/2012/chartStyle" xmlns:ns1="http://schemas.openxmlformats.org/officeDocument/2006/extended-properties" xmlns:vt="http://schemas.openxmlformats.org/officeDocument/2006/docPropsVTypes" xmlns:a16="http://schemas.microsoft.com/office/drawing/2010/main" id="{90FB5643-BEEB-4E35-B460-2234F3AFAD6C}"/>
               </a:ext>
             </a:extLst>
           </p:cNvPr>
@@ -2768,7 +2768,7 @@
           <p:cNvPr id="5" name="Slide Number Placeholder 6">
             <a:extLst>
               <a:ext uri="{A78A1C3D-187A-4E8D-935C-4BDCC5ACE878}">
-                <a16:creationId xmlns:a16="http://schemas.microsoft.com/office/drawing/2010/main" xmlns:vt="http://schemas.openxmlformats.org/officeDocument/2006/docPropsVTypes" xmlns:ns1="http://schemas.openxmlformats.org/officeDocument/2006/extended-properties" xmlns:cs="http://schemas.microsoft.com/office/drawing/2012/chartStyle" xmlns:c="http://schemas.openxmlformats.org/drawingml/2006/chart" xmlns="" id="{36836E35-566D-49F2-BCFA-3EBA29E1D1E6}"/>
+                <a16:creationId xmlns="" xmlns:c="http://schemas.openxmlformats.org/drawingml/2006/chart" xmlns:cs="http://schemas.microsoft.com/office/drawing/2012/chartStyle" xmlns:ns1="http://schemas.openxmlformats.org/officeDocument/2006/extended-properties" xmlns:vt="http://schemas.openxmlformats.org/officeDocument/2006/docPropsVTypes" xmlns:a16="http://schemas.microsoft.com/office/drawing/2010/main" id="{36836E35-566D-49F2-BCFA-3EBA29E1D1E6}"/>
               </a:ext>
             </a:extLst>
           </p:cNvPr>
@@ -2796,7 +2796,7 @@
           <p:cNvPr id="6" name="Footer Placeholder 5">
             <a:extLst>
               <a:ext uri="{B310E923-76AD-4149-8D0B-18494A4D9487}">
-                <a16:creationId xmlns:a16="http://schemas.microsoft.com/office/drawing/2010/main" xmlns:vt="http://schemas.openxmlformats.org/officeDocument/2006/docPropsVTypes" xmlns:ns1="http://schemas.openxmlformats.org/officeDocument/2006/extended-properties" xmlns:cs="http://schemas.microsoft.com/office/drawing/2012/chartStyle" xmlns:c="http://schemas.openxmlformats.org/drawingml/2006/chart" xmlns="" id="{034A47F2-E0F1-4B6B-BFF2-B04010F2C637}"/>
+                <a16:creationId xmlns="" xmlns:c="http://schemas.openxmlformats.org/drawingml/2006/chart" xmlns:cs="http://schemas.microsoft.com/office/drawing/2012/chartStyle" xmlns:ns1="http://schemas.openxmlformats.org/officeDocument/2006/extended-properties" xmlns:vt="http://schemas.openxmlformats.org/officeDocument/2006/docPropsVTypes" xmlns:a16="http://schemas.microsoft.com/office/drawing/2010/main" id="{034A47F2-E0F1-4B6B-BFF2-B04010F2C637}"/>
               </a:ext>
             </a:extLst>
           </p:cNvPr>
@@ -2824,7 +2824,7 @@
           <p:cNvPr id="7" name="Date Placeholder 4">
             <a:extLst>
               <a:ext uri="{35FDD41D-A6D3-4331-8297-4804A6B9C726}">
-                <a16:creationId xmlns:a16="http://schemas.microsoft.com/office/drawing/2010/main" xmlns:vt="http://schemas.openxmlformats.org/officeDocument/2006/docPropsVTypes" xmlns:ns1="http://schemas.openxmlformats.org/officeDocument/2006/extended-properties" xmlns:cs="http://schemas.microsoft.com/office/drawing/2012/chartStyle" xmlns:c="http://schemas.openxmlformats.org/drawingml/2006/chart" xmlns="" id="{F391C881-5FD1-4AD2-82B3-388C8EF4BAAD}"/>
+                <a16:creationId xmlns="" xmlns:c="http://schemas.openxmlformats.org/drawingml/2006/chart" xmlns:cs="http://schemas.microsoft.com/office/drawing/2012/chartStyle" xmlns:ns1="http://schemas.openxmlformats.org/officeDocument/2006/extended-properties" xmlns:vt="http://schemas.openxmlformats.org/officeDocument/2006/docPropsVTypes" xmlns:a16="http://schemas.microsoft.com/office/drawing/2010/main" id="{F391C881-5FD1-4AD2-82B3-388C8EF4BAAD}"/>
               </a:ext>
             </a:extLst>
           </p:cNvPr>
@@ -2850,7 +2850,7 @@
     </p:spTree>
     <p:extLst>
       <p:ext uri="{CBD18103-9EC7-4961-AF79-87413C573007}">
-        <p14:creationId xmlns:p14="http://schemas.microsoft.com/office/powerpoint/2010/main" xmlns:vt="http://schemas.openxmlformats.org/officeDocument/2006/docPropsVTypes" xmlns:ns1="http://schemas.openxmlformats.org/officeDocument/2006/extended-properties" xmlns:cs="http://schemas.microsoft.com/office/drawing/2012/chartStyle" xmlns:c="http://schemas.openxmlformats.org/drawingml/2006/chart" xmlns="" val="1639045035663"/>
+        <p14:creationId xmlns="" xmlns:c="http://schemas.openxmlformats.org/drawingml/2006/chart" xmlns:cs="http://schemas.microsoft.com/office/drawing/2012/chartStyle" xmlns:ns1="http://schemas.openxmlformats.org/officeDocument/2006/extended-properties" xmlns:vt="http://schemas.openxmlformats.org/officeDocument/2006/docPropsVTypes" xmlns:p14="http://schemas.microsoft.com/office/powerpoint/2010/main" val="1639045035663"/>
       </p:ext>
     </p:extLst>
   </p:cSld>
@@ -2882,7 +2882,7 @@
           <p:cNvPr id="2" name="Text Placeholder 2">
             <a:extLst>
               <a:ext uri="{5ABEFC32-F13D-4DF1-AF48-CF572C5E8144}">
-                <a16:creationId xmlns:a16="http://schemas.microsoft.com/office/drawing/2010/main" xmlns:vt="http://schemas.openxmlformats.org/officeDocument/2006/docPropsVTypes" xmlns:ns1="http://schemas.openxmlformats.org/officeDocument/2006/extended-properties" xmlns:cs="http://schemas.microsoft.com/office/drawing/2012/chartStyle" xmlns:c="http://schemas.openxmlformats.org/drawingml/2006/chart" xmlns="" id="{8DD522FF-EA21-4A8E-BD62-F395DA9ABA59}"/>
+                <a16:creationId xmlns="" xmlns:c="http://schemas.openxmlformats.org/drawingml/2006/chart" xmlns:cs="http://schemas.microsoft.com/office/drawing/2012/chartStyle" xmlns:ns1="http://schemas.openxmlformats.org/officeDocument/2006/extended-properties" xmlns:vt="http://schemas.openxmlformats.org/officeDocument/2006/docPropsVTypes" xmlns:a16="http://schemas.microsoft.com/office/drawing/2010/main" id="{8DD522FF-EA21-4A8E-BD62-F395DA9ABA59}"/>
               </a:ext>
             </a:extLst>
           </p:cNvPr>
@@ -2979,7 +2979,7 @@
           <p:cNvPr id="3" name="Text Placeholder 4">
             <a:extLst>
               <a:ext uri="{D77D491B-2B7E-41EA-8116-7BBE1938843E}">
-                <a16:creationId xmlns:a16="http://schemas.microsoft.com/office/drawing/2010/main" xmlns:vt="http://schemas.openxmlformats.org/officeDocument/2006/docPropsVTypes" xmlns:ns1="http://schemas.openxmlformats.org/officeDocument/2006/extended-properties" xmlns:cs="http://schemas.microsoft.com/office/drawing/2012/chartStyle" xmlns:c="http://schemas.openxmlformats.org/drawingml/2006/chart" xmlns="" id="{3CCCCA31-7A0D-4190-BB22-802CC8BEC6BE}"/>
+                <a16:creationId xmlns="" xmlns:c="http://schemas.openxmlformats.org/drawingml/2006/chart" xmlns:cs="http://schemas.microsoft.com/office/drawing/2012/chartStyle" xmlns:ns1="http://schemas.openxmlformats.org/officeDocument/2006/extended-properties" xmlns:vt="http://schemas.openxmlformats.org/officeDocument/2006/docPropsVTypes" xmlns:a16="http://schemas.microsoft.com/office/drawing/2010/main" id="{3CCCCA31-7A0D-4190-BB22-802CC8BEC6BE}"/>
               </a:ext>
             </a:extLst>
           </p:cNvPr>
@@ -3076,7 +3076,7 @@
           <p:cNvPr id="4" name="Content Placeholder 2">
             <a:extLst>
               <a:ext uri="{5193D045-D364-4567-93AA-61A0D934A463}">
-                <a16:creationId xmlns:a16="http://schemas.microsoft.com/office/drawing/2010/main" xmlns:vt="http://schemas.openxmlformats.org/officeDocument/2006/docPropsVTypes" xmlns:ns1="http://schemas.openxmlformats.org/officeDocument/2006/extended-properties" xmlns:cs="http://schemas.microsoft.com/office/drawing/2012/chartStyle" xmlns:c="http://schemas.openxmlformats.org/drawingml/2006/chart" xmlns="" id="{D0FD8A6D-45D6-4829-A37E-64134F72D91D}"/>
+                <a16:creationId xmlns="" xmlns:c="http://schemas.openxmlformats.org/drawingml/2006/chart" xmlns:cs="http://schemas.microsoft.com/office/drawing/2012/chartStyle" xmlns:ns1="http://schemas.openxmlformats.org/officeDocument/2006/extended-properties" xmlns:vt="http://schemas.openxmlformats.org/officeDocument/2006/docPropsVTypes" xmlns:a16="http://schemas.microsoft.com/office/drawing/2010/main" id="{D0FD8A6D-45D6-4829-A37E-64134F72D91D}"/>
               </a:ext>
             </a:extLst>
           </p:cNvPr>
@@ -3144,7 +3144,7 @@
           <p:cNvPr id="5" name="Title 1">
             <a:extLst>
               <a:ext uri="{A8E6DDCD-5C0D-4622-B2CD-333F2640AB46}">
-                <a16:creationId xmlns:a16="http://schemas.microsoft.com/office/drawing/2010/main" xmlns:vt="http://schemas.openxmlformats.org/officeDocument/2006/docPropsVTypes" xmlns:ns1="http://schemas.openxmlformats.org/officeDocument/2006/extended-properties" xmlns:cs="http://schemas.microsoft.com/office/drawing/2012/chartStyle" xmlns:c="http://schemas.openxmlformats.org/drawingml/2006/chart" xmlns="" id="{7CFCD734-F0AD-4608-B08E-15F1E8555F5F}"/>
+                <a16:creationId xmlns="" xmlns:c="http://schemas.openxmlformats.org/drawingml/2006/chart" xmlns:cs="http://schemas.microsoft.com/office/drawing/2012/chartStyle" xmlns:ns1="http://schemas.openxmlformats.org/officeDocument/2006/extended-properties" xmlns:vt="http://schemas.openxmlformats.org/officeDocument/2006/docPropsVTypes" xmlns:a16="http://schemas.microsoft.com/office/drawing/2010/main" id="{7CFCD734-F0AD-4608-B08E-15F1E8555F5F}"/>
               </a:ext>
             </a:extLst>
           </p:cNvPr>
@@ -3174,7 +3174,7 @@
           <p:cNvPr id="6" name="Content Placeholder 2">
             <a:extLst>
               <a:ext uri="{3F5DB3B1-25B6-48BD-AEC4-1B560EEC3620}">
-                <a16:creationId xmlns:a16="http://schemas.microsoft.com/office/drawing/2010/main" xmlns:vt="http://schemas.openxmlformats.org/officeDocument/2006/docPropsVTypes" xmlns:ns1="http://schemas.openxmlformats.org/officeDocument/2006/extended-properties" xmlns:cs="http://schemas.microsoft.com/office/drawing/2012/chartStyle" xmlns:c="http://schemas.openxmlformats.org/drawingml/2006/chart" xmlns="" id="{94C7984F-5044-49B3-9B2F-6F4410B1DD24}"/>
+                <a16:creationId xmlns="" xmlns:c="http://schemas.openxmlformats.org/drawingml/2006/chart" xmlns:cs="http://schemas.microsoft.com/office/drawing/2012/chartStyle" xmlns:ns1="http://schemas.openxmlformats.org/officeDocument/2006/extended-properties" xmlns:vt="http://schemas.openxmlformats.org/officeDocument/2006/docPropsVTypes" xmlns:a16="http://schemas.microsoft.com/office/drawing/2010/main" id="{94C7984F-5044-49B3-9B2F-6F4410B1DD24}"/>
               </a:ext>
             </a:extLst>
           </p:cNvPr>
@@ -3242,7 +3242,7 @@
           <p:cNvPr id="7" name="Date Placeholder 4">
             <a:extLst>
               <a:ext uri="{9FD2379E-583C-49EB-9CAC-C774A513F76B}">
-                <a16:creationId xmlns:a16="http://schemas.microsoft.com/office/drawing/2010/main" xmlns:vt="http://schemas.openxmlformats.org/officeDocument/2006/docPropsVTypes" xmlns:ns1="http://schemas.openxmlformats.org/officeDocument/2006/extended-properties" xmlns:cs="http://schemas.microsoft.com/office/drawing/2012/chartStyle" xmlns:c="http://schemas.openxmlformats.org/drawingml/2006/chart" xmlns="" id="{609CDBF2-CFFB-4141-A01B-0513062DDA61}"/>
+                <a16:creationId xmlns="" xmlns:c="http://schemas.openxmlformats.org/drawingml/2006/chart" xmlns:cs="http://schemas.microsoft.com/office/drawing/2012/chartStyle" xmlns:ns1="http://schemas.openxmlformats.org/officeDocument/2006/extended-properties" xmlns:vt="http://schemas.openxmlformats.org/officeDocument/2006/docPropsVTypes" xmlns:a16="http://schemas.microsoft.com/office/drawing/2010/main" id="{609CDBF2-CFFB-4141-A01B-0513062DDA61}"/>
               </a:ext>
             </a:extLst>
           </p:cNvPr>
@@ -3270,7 +3270,7 @@
           <p:cNvPr id="8" name="Footer Placeholder 5">
             <a:extLst>
               <a:ext uri="{848374F0-7014-479C-8A05-FD802D02C725}">
-                <a16:creationId xmlns:a16="http://schemas.microsoft.com/office/drawing/2010/main" xmlns:vt="http://schemas.openxmlformats.org/officeDocument/2006/docPropsVTypes" xmlns:ns1="http://schemas.openxmlformats.org/officeDocument/2006/extended-properties" xmlns:cs="http://schemas.microsoft.com/office/drawing/2012/chartStyle" xmlns:c="http://schemas.openxmlformats.org/drawingml/2006/chart" xmlns="" id="{B34DFB87-678F-4E8D-B700-8A8E20D84E98}"/>
+                <a16:creationId xmlns="" xmlns:c="http://schemas.openxmlformats.org/drawingml/2006/chart" xmlns:cs="http://schemas.microsoft.com/office/drawing/2012/chartStyle" xmlns:ns1="http://schemas.openxmlformats.org/officeDocument/2006/extended-properties" xmlns:vt="http://schemas.openxmlformats.org/officeDocument/2006/docPropsVTypes" xmlns:a16="http://schemas.microsoft.com/office/drawing/2010/main" id="{B34DFB87-678F-4E8D-B700-8A8E20D84E98}"/>
               </a:ext>
             </a:extLst>
           </p:cNvPr>
@@ -3298,7 +3298,7 @@
           <p:cNvPr id="9" name="Slide Number Placeholder 6">
             <a:extLst>
               <a:ext uri="{D1FD4EAF-9B38-4900-B73F-C5C8661EC92A}">
-                <a16:creationId xmlns:a16="http://schemas.microsoft.com/office/drawing/2010/main" xmlns:vt="http://schemas.openxmlformats.org/officeDocument/2006/docPropsVTypes" xmlns:ns1="http://schemas.openxmlformats.org/officeDocument/2006/extended-properties" xmlns:cs="http://schemas.microsoft.com/office/drawing/2012/chartStyle" xmlns:c="http://schemas.openxmlformats.org/drawingml/2006/chart" xmlns="" id="{740DF05C-9AFF-4B03-A5D8-24070DBAD26C}"/>
+                <a16:creationId xmlns="" xmlns:c="http://schemas.openxmlformats.org/drawingml/2006/chart" xmlns:cs="http://schemas.microsoft.com/office/drawing/2012/chartStyle" xmlns:ns1="http://schemas.openxmlformats.org/officeDocument/2006/extended-properties" xmlns:vt="http://schemas.openxmlformats.org/officeDocument/2006/docPropsVTypes" xmlns:a16="http://schemas.microsoft.com/office/drawing/2010/main" id="{740DF05C-9AFF-4B03-A5D8-24070DBAD26C}"/>
               </a:ext>
             </a:extLst>
           </p:cNvPr>
@@ -3324,7 +3324,7 @@
     </p:spTree>
     <p:extLst>
       <p:ext uri="{A692DA83-F3EC-4D1C-A84E-8B51E10693A3}">
-        <p14:creationId xmlns:p14="http://schemas.microsoft.com/office/powerpoint/2010/main" xmlns:vt="http://schemas.openxmlformats.org/officeDocument/2006/docPropsVTypes" xmlns:ns1="http://schemas.openxmlformats.org/officeDocument/2006/extended-properties" xmlns:cs="http://schemas.microsoft.com/office/drawing/2012/chartStyle" xmlns:c="http://schemas.openxmlformats.org/drawingml/2006/chart" xmlns="" val="1639045035665"/>
+        <p14:creationId xmlns="" xmlns:c="http://schemas.openxmlformats.org/drawingml/2006/chart" xmlns:cs="http://schemas.microsoft.com/office/drawing/2012/chartStyle" xmlns:ns1="http://schemas.openxmlformats.org/officeDocument/2006/extended-properties" xmlns:vt="http://schemas.openxmlformats.org/officeDocument/2006/docPropsVTypes" xmlns:p14="http://schemas.microsoft.com/office/powerpoint/2010/main" val="1639045035665"/>
       </p:ext>
     </p:extLst>
   </p:cSld>
@@ -3356,7 +3356,7 @@
           <p:cNvPr id="2" name="Title 1">
             <a:extLst>
               <a:ext uri="{A1B31654-37B5-4C20-81AF-83584C6AF7EF}">
-                <a16:creationId xmlns:a16="http://schemas.microsoft.com/office/drawing/2010/main" xmlns:vt="http://schemas.openxmlformats.org/officeDocument/2006/docPropsVTypes" xmlns:ns1="http://schemas.openxmlformats.org/officeDocument/2006/extended-properties" xmlns:cs="http://schemas.microsoft.com/office/drawing/2012/chartStyle" xmlns:c="http://schemas.openxmlformats.org/drawingml/2006/chart" xmlns="" id="{930C1D10-AEBC-44DE-B0DC-F611ECBCE559}"/>
+                <a16:creationId xmlns="" xmlns:c="http://schemas.openxmlformats.org/drawingml/2006/chart" xmlns:cs="http://schemas.microsoft.com/office/drawing/2012/chartStyle" xmlns:ns1="http://schemas.openxmlformats.org/officeDocument/2006/extended-properties" xmlns:vt="http://schemas.openxmlformats.org/officeDocument/2006/docPropsVTypes" xmlns:a16="http://schemas.microsoft.com/office/drawing/2010/main" id="{930C1D10-AEBC-44DE-B0DC-F611ECBCE559}"/>
               </a:ext>
             </a:extLst>
           </p:cNvPr>
@@ -3393,7 +3393,7 @@
           <p:cNvPr id="3" name="Slide Number Placeholder 3">
             <a:extLst>
               <a:ext uri="{7EB630BD-BA05-47E1-AA9B-7DDCF9CDE352}">
-                <a16:creationId xmlns:a16="http://schemas.microsoft.com/office/drawing/2010/main" xmlns:vt="http://schemas.openxmlformats.org/officeDocument/2006/docPropsVTypes" xmlns:ns1="http://schemas.openxmlformats.org/officeDocument/2006/extended-properties" xmlns:cs="http://schemas.microsoft.com/office/drawing/2012/chartStyle" xmlns:c="http://schemas.openxmlformats.org/drawingml/2006/chart" xmlns="" id="{B0DCC111-9054-42E4-96DD-DE02A0D3C61B}"/>
+                <a16:creationId xmlns="" xmlns:c="http://schemas.openxmlformats.org/drawingml/2006/chart" xmlns:cs="http://schemas.microsoft.com/office/drawing/2012/chartStyle" xmlns:ns1="http://schemas.openxmlformats.org/officeDocument/2006/extended-properties" xmlns:vt="http://schemas.openxmlformats.org/officeDocument/2006/docPropsVTypes" xmlns:a16="http://schemas.microsoft.com/office/drawing/2010/main" id="{B0DCC111-9054-42E4-96DD-DE02A0D3C61B}"/>
               </a:ext>
             </a:extLst>
           </p:cNvPr>
@@ -3421,7 +3421,7 @@
           <p:cNvPr id="4" name="Footer Placeholder 2">
             <a:extLst>
               <a:ext uri="{31527ADE-C3A7-40CD-94BB-60BC8B842280}">
-                <a16:creationId xmlns:a16="http://schemas.microsoft.com/office/drawing/2010/main" xmlns:vt="http://schemas.openxmlformats.org/officeDocument/2006/docPropsVTypes" xmlns:ns1="http://schemas.openxmlformats.org/officeDocument/2006/extended-properties" xmlns:cs="http://schemas.microsoft.com/office/drawing/2012/chartStyle" xmlns:c="http://schemas.openxmlformats.org/drawingml/2006/chart" xmlns="" id="{87C55506-5618-464F-AF95-245DAA7933ED}"/>
+                <a16:creationId xmlns="" xmlns:c="http://schemas.openxmlformats.org/drawingml/2006/chart" xmlns:cs="http://schemas.microsoft.com/office/drawing/2012/chartStyle" xmlns:ns1="http://schemas.openxmlformats.org/officeDocument/2006/extended-properties" xmlns:vt="http://schemas.openxmlformats.org/officeDocument/2006/docPropsVTypes" xmlns:a16="http://schemas.microsoft.com/office/drawing/2010/main" id="{87C55506-5618-464F-AF95-245DAA7933ED}"/>
               </a:ext>
             </a:extLst>
           </p:cNvPr>
@@ -3449,7 +3449,7 @@
           <p:cNvPr id="5" name="Date Placeholder 1">
             <a:extLst>
               <a:ext uri="{63A40578-8BE8-4480-874E-4BD2FB577B0E}">
-                <a16:creationId xmlns:a16="http://schemas.microsoft.com/office/drawing/2010/main" xmlns:vt="http://schemas.openxmlformats.org/officeDocument/2006/docPropsVTypes" xmlns:ns1="http://schemas.openxmlformats.org/officeDocument/2006/extended-properties" xmlns:cs="http://schemas.microsoft.com/office/drawing/2012/chartStyle" xmlns:c="http://schemas.openxmlformats.org/drawingml/2006/chart" xmlns="" id="{20A86CD9-7A88-4511-9A82-3A27FB4DBC55}"/>
+                <a16:creationId xmlns="" xmlns:c="http://schemas.openxmlformats.org/drawingml/2006/chart" xmlns:cs="http://schemas.microsoft.com/office/drawing/2012/chartStyle" xmlns:ns1="http://schemas.openxmlformats.org/officeDocument/2006/extended-properties" xmlns:vt="http://schemas.openxmlformats.org/officeDocument/2006/docPropsVTypes" xmlns:a16="http://schemas.microsoft.com/office/drawing/2010/main" id="{20A86CD9-7A88-4511-9A82-3A27FB4DBC55}"/>
               </a:ext>
             </a:extLst>
           </p:cNvPr>
@@ -3475,7 +3475,7 @@
     </p:spTree>
     <p:extLst>
       <p:ext uri="{B6E38DA6-B9A9-4A25-8013-402E52590428}">
-        <p14:creationId xmlns:p14="http://schemas.microsoft.com/office/powerpoint/2010/main" xmlns:vt="http://schemas.openxmlformats.org/officeDocument/2006/docPropsVTypes" xmlns:ns1="http://schemas.openxmlformats.org/officeDocument/2006/extended-properties" xmlns:cs="http://schemas.microsoft.com/office/drawing/2012/chartStyle" xmlns:c="http://schemas.openxmlformats.org/drawingml/2006/chart" xmlns="" val="1639045035668"/>
+        <p14:creationId xmlns="" xmlns:c="http://schemas.openxmlformats.org/drawingml/2006/chart" xmlns:cs="http://schemas.microsoft.com/office/drawing/2012/chartStyle" xmlns:ns1="http://schemas.openxmlformats.org/officeDocument/2006/extended-properties" xmlns:vt="http://schemas.openxmlformats.org/officeDocument/2006/docPropsVTypes" xmlns:p14="http://schemas.microsoft.com/office/powerpoint/2010/main" val="1639045035668"/>
       </p:ext>
     </p:extLst>
   </p:cSld>
@@ -3507,7 +3507,7 @@
           <p:cNvPr id="2" name="Slide Number Placeholder 3">
             <a:extLst>
               <a:ext uri="{B4B5C7EC-9459-49B3-86D0-91A697C89501}">
-                <a16:creationId xmlns:a16="http://schemas.microsoft.com/office/drawing/2010/main" xmlns:vt="http://schemas.openxmlformats.org/officeDocument/2006/docPropsVTypes" xmlns:ns1="http://schemas.openxmlformats.org/officeDocument/2006/extended-properties" xmlns:cs="http://schemas.microsoft.com/office/drawing/2012/chartStyle" xmlns:c="http://schemas.openxmlformats.org/drawingml/2006/chart" xmlns="" id="{921DF435-8F92-47CC-A58F-ABD4A1AB4825}"/>
+                <a16:creationId xmlns="" xmlns:c="http://schemas.openxmlformats.org/drawingml/2006/chart" xmlns:cs="http://schemas.microsoft.com/office/drawing/2012/chartStyle" xmlns:ns1="http://schemas.openxmlformats.org/officeDocument/2006/extended-properties" xmlns:vt="http://schemas.openxmlformats.org/officeDocument/2006/docPropsVTypes" xmlns:a16="http://schemas.microsoft.com/office/drawing/2010/main" id="{921DF435-8F92-47CC-A58F-ABD4A1AB4825}"/>
               </a:ext>
             </a:extLst>
           </p:cNvPr>
@@ -3535,7 +3535,7 @@
           <p:cNvPr id="3" name="Footer Placeholder 2">
             <a:extLst>
               <a:ext uri="{2EAB095D-DD97-4502-A7FF-D6711F941B2B}">
-                <a16:creationId xmlns:a16="http://schemas.microsoft.com/office/drawing/2010/main" xmlns:vt="http://schemas.openxmlformats.org/officeDocument/2006/docPropsVTypes" xmlns:ns1="http://schemas.openxmlformats.org/officeDocument/2006/extended-properties" xmlns:cs="http://schemas.microsoft.com/office/drawing/2012/chartStyle" xmlns:c="http://schemas.openxmlformats.org/drawingml/2006/chart" xmlns="" id="{BB7F41EA-4A20-4F4E-9C25-E2057B0BF43F}"/>
+                <a16:creationId xmlns="" xmlns:c="http://schemas.openxmlformats.org/drawingml/2006/chart" xmlns:cs="http://schemas.microsoft.com/office/drawing/2012/chartStyle" xmlns:ns1="http://schemas.openxmlformats.org/officeDocument/2006/extended-properties" xmlns:vt="http://schemas.openxmlformats.org/officeDocument/2006/docPropsVTypes" xmlns:a16="http://schemas.microsoft.com/office/drawing/2010/main" id="{BB7F41EA-4A20-4F4E-9C25-E2057B0BF43F}"/>
               </a:ext>
             </a:extLst>
           </p:cNvPr>
@@ -3563,7 +3563,7 @@
           <p:cNvPr id="4" name="Date Placeholder 1">
             <a:extLst>
               <a:ext uri="{65A90E89-C1CF-4320-80B8-C778820B7FC9}">
-                <a16:creationId xmlns:a16="http://schemas.microsoft.com/office/drawing/2010/main" xmlns:vt="http://schemas.openxmlformats.org/officeDocument/2006/docPropsVTypes" xmlns:ns1="http://schemas.openxmlformats.org/officeDocument/2006/extended-properties" xmlns:cs="http://schemas.microsoft.com/office/drawing/2012/chartStyle" xmlns:c="http://schemas.openxmlformats.org/drawingml/2006/chart" xmlns="" id="{3D014C21-31C4-4B56-81A8-89222712936F}"/>
+                <a16:creationId xmlns="" xmlns:c="http://schemas.openxmlformats.org/drawingml/2006/chart" xmlns:cs="http://schemas.microsoft.com/office/drawing/2012/chartStyle" xmlns:ns1="http://schemas.openxmlformats.org/officeDocument/2006/extended-properties" xmlns:vt="http://schemas.openxmlformats.org/officeDocument/2006/docPropsVTypes" xmlns:a16="http://schemas.microsoft.com/office/drawing/2010/main" id="{3D014C21-31C4-4B56-81A8-89222712936F}"/>
               </a:ext>
             </a:extLst>
           </p:cNvPr>
@@ -3589,7 +3589,7 @@
     </p:spTree>
     <p:extLst>
       <p:ext uri="{540AB2F6-82FF-435E-A683-B1F64D6932CA}">
-        <p14:creationId xmlns:p14="http://schemas.microsoft.com/office/powerpoint/2010/main" xmlns:vt="http://schemas.openxmlformats.org/officeDocument/2006/docPropsVTypes" xmlns:ns1="http://schemas.openxmlformats.org/officeDocument/2006/extended-properties" xmlns:cs="http://schemas.microsoft.com/office/drawing/2012/chartStyle" xmlns:c="http://schemas.openxmlformats.org/drawingml/2006/chart" xmlns="" val="1639045035670"/>
+        <p14:creationId xmlns="" xmlns:c="http://schemas.openxmlformats.org/drawingml/2006/chart" xmlns:cs="http://schemas.microsoft.com/office/drawing/2012/chartStyle" xmlns:ns1="http://schemas.openxmlformats.org/officeDocument/2006/extended-properties" xmlns:vt="http://schemas.openxmlformats.org/officeDocument/2006/docPropsVTypes" xmlns:p14="http://schemas.microsoft.com/office/powerpoint/2010/main" val="1639045035670"/>
       </p:ext>
     </p:extLst>
   </p:cSld>
@@ -3621,7 +3621,7 @@
           <p:cNvPr id="2" name="Title 1">
             <a:extLst>
               <a:ext uri="{41A1A019-929F-4F01-A5A7-F7616A094DE0}">
-                <a16:creationId xmlns:a16="http://schemas.microsoft.com/office/drawing/2010/main" xmlns:vt="http://schemas.openxmlformats.org/officeDocument/2006/docPropsVTypes" xmlns:ns1="http://schemas.openxmlformats.org/officeDocument/2006/extended-properties" xmlns:cs="http://schemas.microsoft.com/office/drawing/2012/chartStyle" xmlns:c="http://schemas.openxmlformats.org/drawingml/2006/chart" xmlns="" id="{D5A18A5E-38D9-4F8D-88B4-9A4BF8A1A69C}"/>
+                <a16:creationId xmlns="" xmlns:c="http://schemas.openxmlformats.org/drawingml/2006/chart" xmlns:cs="http://schemas.microsoft.com/office/drawing/2012/chartStyle" xmlns:ns1="http://schemas.openxmlformats.org/officeDocument/2006/extended-properties" xmlns:vt="http://schemas.openxmlformats.org/officeDocument/2006/docPropsVTypes" xmlns:a16="http://schemas.microsoft.com/office/drawing/2010/main" id="{D5A18A5E-38D9-4F8D-88B4-9A4BF8A1A69C}"/>
               </a:ext>
             </a:extLst>
           </p:cNvPr>
@@ -3651,7 +3651,7 @@
           <p:cNvPr id="3" name="Text Placeholder 3">
             <a:extLst>
               <a:ext uri="{110298C7-8F09-4D69-B401-92C0F27B002C}">
-                <a16:creationId xmlns:a16="http://schemas.microsoft.com/office/drawing/2010/main" xmlns:vt="http://schemas.openxmlformats.org/officeDocument/2006/docPropsVTypes" xmlns:ns1="http://schemas.openxmlformats.org/officeDocument/2006/extended-properties" xmlns:cs="http://schemas.microsoft.com/office/drawing/2012/chartStyle" xmlns:c="http://schemas.openxmlformats.org/drawingml/2006/chart" xmlns="" id="{35C3E96B-47F9-4367-8E7F-36CC03BBD6B0}"/>
+                <a16:creationId xmlns="" xmlns:c="http://schemas.openxmlformats.org/drawingml/2006/chart" xmlns:cs="http://schemas.microsoft.com/office/drawing/2012/chartStyle" xmlns:ns1="http://schemas.openxmlformats.org/officeDocument/2006/extended-properties" xmlns:vt="http://schemas.openxmlformats.org/officeDocument/2006/docPropsVTypes" xmlns:a16="http://schemas.microsoft.com/office/drawing/2010/main" id="{35C3E96B-47F9-4367-8E7F-36CC03BBD6B0}"/>
               </a:ext>
             </a:extLst>
           </p:cNvPr>
@@ -3696,7 +3696,7 @@
           <p:cNvPr id="4" name="Content Placeholder 2">
             <a:extLst>
               <a:ext uri="{22E1F7C6-4321-450F-96A3-07ED086C226A}">
-                <a16:creationId xmlns:a16="http://schemas.microsoft.com/office/drawing/2010/main" xmlns:vt="http://schemas.openxmlformats.org/officeDocument/2006/docPropsVTypes" xmlns:ns1="http://schemas.openxmlformats.org/officeDocument/2006/extended-properties" xmlns:cs="http://schemas.microsoft.com/office/drawing/2012/chartStyle" xmlns:c="http://schemas.openxmlformats.org/drawingml/2006/chart" xmlns="" id="{2D37F39B-C59C-43BE-947E-0389510A530A}"/>
+                <a16:creationId xmlns="" xmlns:c="http://schemas.openxmlformats.org/drawingml/2006/chart" xmlns:cs="http://schemas.microsoft.com/office/drawing/2012/chartStyle" xmlns:ns1="http://schemas.openxmlformats.org/officeDocument/2006/extended-properties" xmlns:vt="http://schemas.openxmlformats.org/officeDocument/2006/docPropsVTypes" xmlns:a16="http://schemas.microsoft.com/office/drawing/2010/main" id="{2D37F39B-C59C-43BE-947E-0389510A530A}"/>
               </a:ext>
             </a:extLst>
           </p:cNvPr>
@@ -3764,7 +3764,7 @@
           <p:cNvPr id="5" name="Slide Number Placeholder 3">
             <a:extLst>
               <a:ext uri="{84C3179A-F5BB-4EFB-A02B-F8AEA05CB1B6}">
-                <a16:creationId xmlns:a16="http://schemas.microsoft.com/office/drawing/2010/main" xmlns:vt="http://schemas.openxmlformats.org/officeDocument/2006/docPropsVTypes" xmlns:ns1="http://schemas.openxmlformats.org/officeDocument/2006/extended-properties" xmlns:cs="http://schemas.microsoft.com/office/drawing/2012/chartStyle" xmlns:c="http://schemas.openxmlformats.org/drawingml/2006/chart" xmlns="" id="{9DB09AA5-9FD9-4F98-8253-4D503D735B27}"/>
+                <a16:creationId xmlns="" xmlns:c="http://schemas.openxmlformats.org/drawingml/2006/chart" xmlns:cs="http://schemas.microsoft.com/office/drawing/2012/chartStyle" xmlns:ns1="http://schemas.openxmlformats.org/officeDocument/2006/extended-properties" xmlns:vt="http://schemas.openxmlformats.org/officeDocument/2006/docPropsVTypes" xmlns:a16="http://schemas.microsoft.com/office/drawing/2010/main" id="{9DB09AA5-9FD9-4F98-8253-4D503D735B27}"/>
               </a:ext>
             </a:extLst>
           </p:cNvPr>
@@ -3792,7 +3792,7 @@
           <p:cNvPr id="6" name="Footer Placeholder 2">
             <a:extLst>
               <a:ext uri="{4C798626-AA64-4283-B7CE-8B1004A58FE8}">
-                <a16:creationId xmlns:a16="http://schemas.microsoft.com/office/drawing/2010/main" xmlns:vt="http://schemas.openxmlformats.org/officeDocument/2006/docPropsVTypes" xmlns:ns1="http://schemas.openxmlformats.org/officeDocument/2006/extended-properties" xmlns:cs="http://schemas.microsoft.com/office/drawing/2012/chartStyle" xmlns:c="http://schemas.openxmlformats.org/drawingml/2006/chart" xmlns="" id="{ECEF6F7F-09AC-4EBD-9DA7-6C89DD1E0FB4}"/>
+                <a16:creationId xmlns="" xmlns:c="http://schemas.openxmlformats.org/drawingml/2006/chart" xmlns:cs="http://schemas.microsoft.com/office/drawing/2012/chartStyle" xmlns:ns1="http://schemas.openxmlformats.org/officeDocument/2006/extended-properties" xmlns:vt="http://schemas.openxmlformats.org/officeDocument/2006/docPropsVTypes" xmlns:a16="http://schemas.microsoft.com/office/drawing/2010/main" id="{ECEF6F7F-09AC-4EBD-9DA7-6C89DD1E0FB4}"/>
               </a:ext>
             </a:extLst>
           </p:cNvPr>
@@ -3820,7 +3820,7 @@
           <p:cNvPr id="7" name="Date Placeholder 1">
             <a:extLst>
               <a:ext uri="{6EB95555-EDDB-4CA4-AD59-CF3C70F013A0}">
-                <a16:creationId xmlns:a16="http://schemas.microsoft.com/office/drawing/2010/main" xmlns:vt="http://schemas.openxmlformats.org/officeDocument/2006/docPropsVTypes" xmlns:ns1="http://schemas.openxmlformats.org/officeDocument/2006/extended-properties" xmlns:cs="http://schemas.microsoft.com/office/drawing/2012/chartStyle" xmlns:c="http://schemas.openxmlformats.org/drawingml/2006/chart" xmlns="" id="{93951C4F-E2D5-4589-AD7B-7EBFDDF48925}"/>
+                <a16:creationId xmlns="" xmlns:c="http://schemas.openxmlformats.org/drawingml/2006/chart" xmlns:cs="http://schemas.microsoft.com/office/drawing/2012/chartStyle" xmlns:ns1="http://schemas.openxmlformats.org/officeDocument/2006/extended-properties" xmlns:vt="http://schemas.openxmlformats.org/officeDocument/2006/docPropsVTypes" xmlns:a16="http://schemas.microsoft.com/office/drawing/2010/main" id="{93951C4F-E2D5-4589-AD7B-7EBFDDF48925}"/>
               </a:ext>
             </a:extLst>
           </p:cNvPr>
@@ -3846,7 +3846,7 @@
     </p:spTree>
     <p:extLst>
       <p:ext uri="{75B0A056-70B4-4AA4-A85C-4A44B0F0A43C}">
-        <p14:creationId xmlns:p14="http://schemas.microsoft.com/office/powerpoint/2010/main" xmlns:vt="http://schemas.openxmlformats.org/officeDocument/2006/docPropsVTypes" xmlns:ns1="http://schemas.openxmlformats.org/officeDocument/2006/extended-properties" xmlns:cs="http://schemas.microsoft.com/office/drawing/2012/chartStyle" xmlns:c="http://schemas.openxmlformats.org/drawingml/2006/chart" xmlns="" val="1639045035672"/>
+        <p14:creationId xmlns="" xmlns:c="http://schemas.openxmlformats.org/drawingml/2006/chart" xmlns:cs="http://schemas.microsoft.com/office/drawing/2012/chartStyle" xmlns:ns1="http://schemas.openxmlformats.org/officeDocument/2006/extended-properties" xmlns:vt="http://schemas.openxmlformats.org/officeDocument/2006/docPropsVTypes" xmlns:p14="http://schemas.microsoft.com/office/powerpoint/2010/main" val="1639045035672"/>
       </p:ext>
     </p:extLst>
   </p:cSld>
@@ -3878,7 +3878,7 @@
           <p:cNvPr id="2" name="Rectangle 16">
             <a:extLst>
               <a:ext uri="{9AF9F3D6-6481-4EA2-AC6E-45DF46796076}">
-                <a16:creationId xmlns:a16="http://schemas.microsoft.com/office/drawing/2010/main" xmlns:vt="http://schemas.openxmlformats.org/officeDocument/2006/docPropsVTypes" xmlns:ns1="http://schemas.openxmlformats.org/officeDocument/2006/extended-properties" xmlns:cs="http://schemas.microsoft.com/office/drawing/2012/chartStyle" xmlns:c="http://schemas.openxmlformats.org/drawingml/2006/chart" xmlns="" id="{BEC1FFB4-D7D4-4635-AC4A-83D5C4199F3F}"/>
+                <a16:creationId xmlns="" xmlns:c="http://schemas.openxmlformats.org/drawingml/2006/chart" xmlns:cs="http://schemas.microsoft.com/office/drawing/2012/chartStyle" xmlns:ns1="http://schemas.openxmlformats.org/officeDocument/2006/extended-properties" xmlns:vt="http://schemas.openxmlformats.org/officeDocument/2006/docPropsVTypes" xmlns:a16="http://schemas.microsoft.com/office/drawing/2010/main" id="{BEC1FFB4-D7D4-4635-AC4A-83D5C4199F3F}"/>
               </a:ext>
             </a:extLst>
           </p:cNvPr>
@@ -3934,7 +3934,7 @@
           <p:cNvPr id="3" name="Title 1">
             <a:extLst>
               <a:ext uri="{4CE7E530-AED0-4E4E-BA95-CAA4921BFB98}">
-                <a16:creationId xmlns:a16="http://schemas.microsoft.com/office/drawing/2010/main" xmlns:vt="http://schemas.openxmlformats.org/officeDocument/2006/docPropsVTypes" xmlns:ns1="http://schemas.openxmlformats.org/officeDocument/2006/extended-properties" xmlns:cs="http://schemas.microsoft.com/office/drawing/2012/chartStyle" xmlns:c="http://schemas.openxmlformats.org/drawingml/2006/chart" xmlns="" id="{C3DE6F28-EA98-4BF4-BB2D-1BC5AE7F5BFC}"/>
+                <a16:creationId xmlns="" xmlns:c="http://schemas.openxmlformats.org/drawingml/2006/chart" xmlns:cs="http://schemas.microsoft.com/office/drawing/2012/chartStyle" xmlns:ns1="http://schemas.openxmlformats.org/officeDocument/2006/extended-properties" xmlns:vt="http://schemas.openxmlformats.org/officeDocument/2006/docPropsVTypes" xmlns:a16="http://schemas.microsoft.com/office/drawing/2010/main" id="{C3DE6F28-EA98-4BF4-BB2D-1BC5AE7F5BFC}"/>
               </a:ext>
             </a:extLst>
           </p:cNvPr>
@@ -3964,7 +3964,7 @@
           <p:cNvPr id="4" name="Text Placeholder 3">
             <a:extLst>
               <a:ext uri="{D01F3378-8504-4E20-B18D-A1264AA09F3E}">
-                <a16:creationId xmlns:a16="http://schemas.microsoft.com/office/drawing/2010/main" xmlns:vt="http://schemas.openxmlformats.org/officeDocument/2006/docPropsVTypes" xmlns:ns1="http://schemas.openxmlformats.org/officeDocument/2006/extended-properties" xmlns:cs="http://schemas.microsoft.com/office/drawing/2012/chartStyle" xmlns:c="http://schemas.openxmlformats.org/drawingml/2006/chart" xmlns="" id="{B311DDEC-E4AF-4395-A8FF-39C4BEBE2E64}"/>
+                <a16:creationId xmlns="" xmlns:c="http://schemas.openxmlformats.org/drawingml/2006/chart" xmlns:cs="http://schemas.microsoft.com/office/drawing/2012/chartStyle" xmlns:ns1="http://schemas.openxmlformats.org/officeDocument/2006/extended-properties" xmlns:vt="http://schemas.openxmlformats.org/officeDocument/2006/docPropsVTypes" xmlns:a16="http://schemas.microsoft.com/office/drawing/2010/main" id="{B311DDEC-E4AF-4395-A8FF-39C4BEBE2E64}"/>
               </a:ext>
             </a:extLst>
           </p:cNvPr>
@@ -4009,7 +4009,7 @@
           <p:cNvPr id="5" name="Picture Placeholder 2">
             <a:extLst>
               <a:ext uri="{E1DF33C5-89A1-4F8A-BE16-DF35B2BEF705}">
-                <a16:creationId xmlns:a16="http://schemas.microsoft.com/office/drawing/2010/main" xmlns:vt="http://schemas.openxmlformats.org/officeDocument/2006/docPropsVTypes" xmlns:ns1="http://schemas.openxmlformats.org/officeDocument/2006/extended-properties" xmlns:cs="http://schemas.microsoft.com/office/drawing/2012/chartStyle" xmlns:c="http://schemas.openxmlformats.org/drawingml/2006/chart" xmlns="" id="{34C90A67-1689-4C07-B90D-BAFB1069E687}"/>
+                <a16:creationId xmlns="" xmlns:c="http://schemas.openxmlformats.org/drawingml/2006/chart" xmlns:cs="http://schemas.microsoft.com/office/drawing/2012/chartStyle" xmlns:ns1="http://schemas.openxmlformats.org/officeDocument/2006/extended-properties" xmlns:vt="http://schemas.openxmlformats.org/officeDocument/2006/docPropsVTypes" xmlns:a16="http://schemas.microsoft.com/office/drawing/2010/main" id="{34C90A67-1689-4C07-B90D-BAFB1069E687}"/>
               </a:ext>
             </a:extLst>
           </p:cNvPr>
@@ -4051,7 +4051,7 @@
           <p:cNvPr id="6" name="Slide Number Placeholder 4">
             <a:extLst>
               <a:ext uri="{5A2958A1-C061-4F6F-8D9B-DFE04A35A7CD}">
-                <a16:creationId xmlns:a16="http://schemas.microsoft.com/office/drawing/2010/main" xmlns:vt="http://schemas.openxmlformats.org/officeDocument/2006/docPropsVTypes" xmlns:ns1="http://schemas.openxmlformats.org/officeDocument/2006/extended-properties" xmlns:cs="http://schemas.microsoft.com/office/drawing/2012/chartStyle" xmlns:c="http://schemas.openxmlformats.org/drawingml/2006/chart" xmlns="" id="{D8B81506-9821-4C19-9F64-06CEDE67B7AC}"/>
+                <a16:creationId xmlns="" xmlns:c="http://schemas.openxmlformats.org/drawingml/2006/chart" xmlns:cs="http://schemas.microsoft.com/office/drawing/2012/chartStyle" xmlns:ns1="http://schemas.openxmlformats.org/officeDocument/2006/extended-properties" xmlns:vt="http://schemas.openxmlformats.org/officeDocument/2006/docPropsVTypes" xmlns:a16="http://schemas.microsoft.com/office/drawing/2010/main" id="{D8B81506-9821-4C19-9F64-06CEDE67B7AC}"/>
               </a:ext>
             </a:extLst>
           </p:cNvPr>
@@ -4079,7 +4079,7 @@
           <p:cNvPr id="7" name="Footer Placeholder 3">
             <a:extLst>
               <a:ext uri="{557DF254-6D3E-43DB-B66A-ADBAF968B48F}">
-                <a16:creationId xmlns:a16="http://schemas.microsoft.com/office/drawing/2010/main" xmlns:vt="http://schemas.openxmlformats.org/officeDocument/2006/docPropsVTypes" xmlns:ns1="http://schemas.openxmlformats.org/officeDocument/2006/extended-properties" xmlns:cs="http://schemas.microsoft.com/office/drawing/2012/chartStyle" xmlns:c="http://schemas.openxmlformats.org/drawingml/2006/chart" xmlns="" id="{65F9815D-20BC-4FDB-B024-9AD666F52270}"/>
+                <a16:creationId xmlns="" xmlns:c="http://schemas.openxmlformats.org/drawingml/2006/chart" xmlns:cs="http://schemas.microsoft.com/office/drawing/2012/chartStyle" xmlns:ns1="http://schemas.openxmlformats.org/officeDocument/2006/extended-properties" xmlns:vt="http://schemas.openxmlformats.org/officeDocument/2006/docPropsVTypes" xmlns:a16="http://schemas.microsoft.com/office/drawing/2010/main" id="{65F9815D-20BC-4FDB-B024-9AD666F52270}"/>
               </a:ext>
             </a:extLst>
           </p:cNvPr>
@@ -4107,7 +4107,7 @@
           <p:cNvPr id="8" name="Date Placeholder 1">
             <a:extLst>
               <a:ext uri="{26946C58-D019-425E-A3EF-F3A7D366A55B}">
-                <a16:creationId xmlns:a16="http://schemas.microsoft.com/office/drawing/2010/main" xmlns:vt="http://schemas.openxmlformats.org/officeDocument/2006/docPropsVTypes" xmlns:ns1="http://schemas.openxmlformats.org/officeDocument/2006/extended-properties" xmlns:cs="http://schemas.microsoft.com/office/drawing/2012/chartStyle" xmlns:c="http://schemas.openxmlformats.org/drawingml/2006/chart" xmlns="" id="{9D9AB3AB-0A9B-4842-8A52-CCC9DB4840B6}"/>
+                <a16:creationId xmlns="" xmlns:c="http://schemas.openxmlformats.org/drawingml/2006/chart" xmlns:cs="http://schemas.microsoft.com/office/drawing/2012/chartStyle" xmlns:ns1="http://schemas.openxmlformats.org/officeDocument/2006/extended-properties" xmlns:vt="http://schemas.openxmlformats.org/officeDocument/2006/docPropsVTypes" xmlns:a16="http://schemas.microsoft.com/office/drawing/2010/main" id="{9D9AB3AB-0A9B-4842-8A52-CCC9DB4840B6}"/>
               </a:ext>
             </a:extLst>
           </p:cNvPr>
@@ -4133,7 +4133,7 @@
     </p:spTree>
     <p:extLst>
       <p:ext uri="{876062B8-D8C5-471D-ADCE-8ADDCF3966E6}">
-        <p14:creationId xmlns:p14="http://schemas.microsoft.com/office/powerpoint/2010/main" xmlns:vt="http://schemas.openxmlformats.org/officeDocument/2006/docPropsVTypes" xmlns:ns1="http://schemas.openxmlformats.org/officeDocument/2006/extended-properties" xmlns:cs="http://schemas.microsoft.com/office/drawing/2012/chartStyle" xmlns:c="http://schemas.openxmlformats.org/drawingml/2006/chart" xmlns="" val="1639045035674"/>
+        <p14:creationId xmlns="" xmlns:c="http://schemas.openxmlformats.org/drawingml/2006/chart" xmlns:cs="http://schemas.microsoft.com/office/drawing/2012/chartStyle" xmlns:ns1="http://schemas.openxmlformats.org/officeDocument/2006/extended-properties" xmlns:vt="http://schemas.openxmlformats.org/officeDocument/2006/docPropsVTypes" xmlns:p14="http://schemas.microsoft.com/office/powerpoint/2010/main" val="1639045035674"/>
       </p:ext>
     </p:extLst>
   </p:cSld>
@@ -4173,7 +4173,7 @@
           <p:cNvPr id="2" name="Slide Number Placeholder 5" hidden="1">
             <a:extLst>
               <a:ext uri="{E335E4C0-F64C-4560-946E-2A45A9E0EBDB}">
-                <a16:creationId xmlns:a16="http://schemas.microsoft.com/office/drawing/2010/main" xmlns:vt="http://schemas.openxmlformats.org/officeDocument/2006/docPropsVTypes" xmlns:ns1="http://schemas.openxmlformats.org/officeDocument/2006/extended-properties" xmlns:cs="http://schemas.microsoft.com/office/drawing/2012/chartStyle" xmlns:c="http://schemas.openxmlformats.org/drawingml/2006/chart" xmlns="" id="{BB05834A-A85C-41D4-B8C5-531BF7212C4C}"/>
+                <a16:creationId xmlns="" xmlns:c="http://schemas.openxmlformats.org/drawingml/2006/chart" xmlns:cs="http://schemas.microsoft.com/office/drawing/2012/chartStyle" xmlns:ns1="http://schemas.openxmlformats.org/officeDocument/2006/extended-properties" xmlns:vt="http://schemas.openxmlformats.org/officeDocument/2006/docPropsVTypes" xmlns:a16="http://schemas.microsoft.com/office/drawing/2010/main" id="{BB05834A-A85C-41D4-B8C5-531BF7212C4C}"/>
               </a:ext>
             </a:extLst>
           </p:cNvPr>
@@ -4320,7 +4320,7 @@
           <p:cNvPr id="3" name="Footer Placeholder 4" hidden="1">
             <a:extLst>
               <a:ext uri="{C466C41A-940A-47FA-AF6E-F620CB5E296B}">
-                <a16:creationId xmlns:a16="http://schemas.microsoft.com/office/drawing/2010/main" xmlns:vt="http://schemas.openxmlformats.org/officeDocument/2006/docPropsVTypes" xmlns:ns1="http://schemas.openxmlformats.org/officeDocument/2006/extended-properties" xmlns:cs="http://schemas.microsoft.com/office/drawing/2012/chartStyle" xmlns:c="http://schemas.openxmlformats.org/drawingml/2006/chart" xmlns="" id="{6F7A89B4-5DFF-47E0-87F2-277E1EC9A113}"/>
+                <a16:creationId xmlns="" xmlns:c="http://schemas.openxmlformats.org/drawingml/2006/chart" xmlns:cs="http://schemas.microsoft.com/office/drawing/2012/chartStyle" xmlns:ns1="http://schemas.openxmlformats.org/officeDocument/2006/extended-properties" xmlns:vt="http://schemas.openxmlformats.org/officeDocument/2006/docPropsVTypes" xmlns:a16="http://schemas.microsoft.com/office/drawing/2010/main" id="{6F7A89B4-5DFF-47E0-87F2-277E1EC9A113}"/>
               </a:ext>
             </a:extLst>
           </p:cNvPr>
@@ -4467,7 +4467,7 @@
           <p:cNvPr id="4" name="Date Placeholder 3" hidden="1">
             <a:extLst>
               <a:ext uri="{42E8B7E1-5E46-471D-BAB5-02F016848779}">
-                <a16:creationId xmlns:a16="http://schemas.microsoft.com/office/drawing/2010/main" xmlns:vt="http://schemas.openxmlformats.org/officeDocument/2006/docPropsVTypes" xmlns:ns1="http://schemas.openxmlformats.org/officeDocument/2006/extended-properties" xmlns:cs="http://schemas.microsoft.com/office/drawing/2012/chartStyle" xmlns:c="http://schemas.openxmlformats.org/drawingml/2006/chart" xmlns="" id="{0B4B1DD0-3AFE-41C6-B5E8-D17B46731238}"/>
+                <a16:creationId xmlns="" xmlns:c="http://schemas.openxmlformats.org/drawingml/2006/chart" xmlns:cs="http://schemas.microsoft.com/office/drawing/2012/chartStyle" xmlns:ns1="http://schemas.openxmlformats.org/officeDocument/2006/extended-properties" xmlns:vt="http://schemas.openxmlformats.org/officeDocument/2006/docPropsVTypes" xmlns:a16="http://schemas.microsoft.com/office/drawing/2010/main" id="{0B4B1DD0-3AFE-41C6-B5E8-D17B46731238}"/>
               </a:ext>
             </a:extLst>
           </p:cNvPr>
@@ -4614,7 +4614,7 @@
           <p:cNvPr id="5" name="Slide Number Placeholder 5" hidden="1">
             <a:extLst>
               <a:ext uri="{9756F724-9EC7-4B8E-8A5D-FA212AD729D8}">
-                <a16:creationId xmlns:a16="http://schemas.microsoft.com/office/drawing/2010/main" xmlns:vt="http://schemas.openxmlformats.org/officeDocument/2006/docPropsVTypes" xmlns:ns1="http://schemas.openxmlformats.org/officeDocument/2006/extended-properties" xmlns:cs="http://schemas.microsoft.com/office/drawing/2012/chartStyle" xmlns:c="http://schemas.openxmlformats.org/drawingml/2006/chart" xmlns="" id="{59F46D5F-0505-4F6A-B9E5-CCFD042571B9}"/>
+                <a16:creationId xmlns="" xmlns:c="http://schemas.openxmlformats.org/drawingml/2006/chart" xmlns:cs="http://schemas.microsoft.com/office/drawing/2012/chartStyle" xmlns:ns1="http://schemas.openxmlformats.org/officeDocument/2006/extended-properties" xmlns:vt="http://schemas.openxmlformats.org/officeDocument/2006/docPropsVTypes" xmlns:a16="http://schemas.microsoft.com/office/drawing/2010/main" id="{59F46D5F-0505-4F6A-B9E5-CCFD042571B9}"/>
               </a:ext>
             </a:extLst>
           </p:cNvPr>
@@ -4761,7 +4761,7 @@
           <p:cNvPr id="6" name="Footer Placeholder 4" hidden="1">
             <a:extLst>
               <a:ext uri="{557566FC-F6FA-4692-A351-A2266E949D4A}">
-                <a16:creationId xmlns:a16="http://schemas.microsoft.com/office/drawing/2010/main" xmlns:vt="http://schemas.openxmlformats.org/officeDocument/2006/docPropsVTypes" xmlns:ns1="http://schemas.openxmlformats.org/officeDocument/2006/extended-properties" xmlns:cs="http://schemas.microsoft.com/office/drawing/2012/chartStyle" xmlns:c="http://schemas.openxmlformats.org/drawingml/2006/chart" xmlns="" id="{BC408C51-646A-4987-9CE1-C7EAC656E4D2}"/>
+                <a16:creationId xmlns="" xmlns:c="http://schemas.openxmlformats.org/drawingml/2006/chart" xmlns:cs="http://schemas.microsoft.com/office/drawing/2012/chartStyle" xmlns:ns1="http://schemas.openxmlformats.org/officeDocument/2006/extended-properties" xmlns:vt="http://schemas.openxmlformats.org/officeDocument/2006/docPropsVTypes" xmlns:a16="http://schemas.microsoft.com/office/drawing/2010/main" id="{BC408C51-646A-4987-9CE1-C7EAC656E4D2}"/>
               </a:ext>
             </a:extLst>
           </p:cNvPr>
@@ -4908,7 +4908,7 @@
           <p:cNvPr id="7" name="Date Placeholder 3" hidden="1">
             <a:extLst>
               <a:ext uri="{9237DC60-DBF1-4078-9365-300E1E8CF72D}">
-                <a16:creationId xmlns:a16="http://schemas.microsoft.com/office/drawing/2010/main" xmlns:vt="http://schemas.openxmlformats.org/officeDocument/2006/docPropsVTypes" xmlns:ns1="http://schemas.openxmlformats.org/officeDocument/2006/extended-properties" xmlns:cs="http://schemas.microsoft.com/office/drawing/2012/chartStyle" xmlns:c="http://schemas.openxmlformats.org/drawingml/2006/chart" xmlns="" id="{914373DE-3530-4951-9716-412BC2002920}"/>
+                <a16:creationId xmlns="" xmlns:c="http://schemas.openxmlformats.org/drawingml/2006/chart" xmlns:cs="http://schemas.microsoft.com/office/drawing/2012/chartStyle" xmlns:ns1="http://schemas.openxmlformats.org/officeDocument/2006/extended-properties" xmlns:vt="http://schemas.openxmlformats.org/officeDocument/2006/docPropsVTypes" xmlns:a16="http://schemas.microsoft.com/office/drawing/2010/main" id="{914373DE-3530-4951-9716-412BC2002920}"/>
               </a:ext>
             </a:extLst>
           </p:cNvPr>
@@ -5055,7 +5055,7 @@
           <p:cNvPr id="8" name="Slide Number Placeholder 5" hidden="1">
             <a:extLst>
               <a:ext uri="{38251EEF-4590-4E84-AEE0-227D2C0EDE69}">
-                <a16:creationId xmlns:a16="http://schemas.microsoft.com/office/drawing/2010/main" xmlns:vt="http://schemas.openxmlformats.org/officeDocument/2006/docPropsVTypes" xmlns:ns1="http://schemas.openxmlformats.org/officeDocument/2006/extended-properties" xmlns:cs="http://schemas.microsoft.com/office/drawing/2012/chartStyle" xmlns:c="http://schemas.openxmlformats.org/drawingml/2006/chart" xmlns="" id="{93450EA0-8510-4C79-9960-5D1E7B9FB4DE}"/>
+                <a16:creationId xmlns="" xmlns:c="http://schemas.openxmlformats.org/drawingml/2006/chart" xmlns:cs="http://schemas.microsoft.com/office/drawing/2012/chartStyle" xmlns:ns1="http://schemas.openxmlformats.org/officeDocument/2006/extended-properties" xmlns:vt="http://schemas.openxmlformats.org/officeDocument/2006/docPropsVTypes" xmlns:a16="http://schemas.microsoft.com/office/drawing/2010/main" id="{93450EA0-8510-4C79-9960-5D1E7B9FB4DE}"/>
               </a:ext>
             </a:extLst>
           </p:cNvPr>
@@ -5202,7 +5202,7 @@
           <p:cNvPr id="9" name="Footer Placeholder 4" hidden="1">
             <a:extLst>
               <a:ext uri="{7CE57B16-F647-41B2-BD82-69AB578E6284}">
-                <a16:creationId xmlns:a16="http://schemas.microsoft.com/office/drawing/2010/main" xmlns:vt="http://schemas.openxmlformats.org/officeDocument/2006/docPropsVTypes" xmlns:ns1="http://schemas.openxmlformats.org/officeDocument/2006/extended-properties" xmlns:cs="http://schemas.microsoft.com/office/drawing/2012/chartStyle" xmlns:c="http://schemas.openxmlformats.org/drawingml/2006/chart" xmlns="" id="{159674E8-7CDC-4BE9-BCEC-1C497A3B89EA}"/>
+                <a16:creationId xmlns="" xmlns:c="http://schemas.openxmlformats.org/drawingml/2006/chart" xmlns:cs="http://schemas.microsoft.com/office/drawing/2012/chartStyle" xmlns:ns1="http://schemas.openxmlformats.org/officeDocument/2006/extended-properties" xmlns:vt="http://schemas.openxmlformats.org/officeDocument/2006/docPropsVTypes" xmlns:a16="http://schemas.microsoft.com/office/drawing/2010/main" id="{159674E8-7CDC-4BE9-BCEC-1C497A3B89EA}"/>
               </a:ext>
             </a:extLst>
           </p:cNvPr>
@@ -5349,7 +5349,7 @@
           <p:cNvPr id="10" name="Date Placeholder 3" hidden="1">
             <a:extLst>
               <a:ext uri="{40B4AA11-412C-4AB3-8BF5-14DC2F196880}">
-                <a16:creationId xmlns:a16="http://schemas.microsoft.com/office/drawing/2010/main" xmlns:vt="http://schemas.openxmlformats.org/officeDocument/2006/docPropsVTypes" xmlns:ns1="http://schemas.openxmlformats.org/officeDocument/2006/extended-properties" xmlns:cs="http://schemas.microsoft.com/office/drawing/2012/chartStyle" xmlns:c="http://schemas.openxmlformats.org/drawingml/2006/chart" xmlns="" id="{21836F27-16B3-4226-9DB4-824B72491FC0}"/>
+                <a16:creationId xmlns="" xmlns:c="http://schemas.openxmlformats.org/drawingml/2006/chart" xmlns:cs="http://schemas.microsoft.com/office/drawing/2012/chartStyle" xmlns:ns1="http://schemas.openxmlformats.org/officeDocument/2006/extended-properties" xmlns:vt="http://schemas.openxmlformats.org/officeDocument/2006/docPropsVTypes" xmlns:a16="http://schemas.microsoft.com/office/drawing/2010/main" id="{21836F27-16B3-4226-9DB4-824B72491FC0}"/>
               </a:ext>
             </a:extLst>
           </p:cNvPr>
@@ -5496,7 +5496,7 @@
           <p:cNvPr id="11" name="Title Placeholder 1">
             <a:extLst>
               <a:ext uri="{94DD6954-D6AD-41B2-B86A-05012960CF6F}">
-                <a16:creationId xmlns:a16="http://schemas.microsoft.com/office/drawing/2010/main" xmlns:vt="http://schemas.openxmlformats.org/officeDocument/2006/docPropsVTypes" xmlns:ns1="http://schemas.openxmlformats.org/officeDocument/2006/extended-properties" xmlns:cs="http://schemas.microsoft.com/office/drawing/2012/chartStyle" xmlns:c="http://schemas.openxmlformats.org/drawingml/2006/chart" xmlns="" id="{3A645CD4-9A03-419C-A741-E27381C09F3A}"/>
+                <a16:creationId xmlns="" xmlns:c="http://schemas.openxmlformats.org/drawingml/2006/chart" xmlns:cs="http://schemas.microsoft.com/office/drawing/2012/chartStyle" xmlns:ns1="http://schemas.openxmlformats.org/officeDocument/2006/extended-properties" xmlns:vt="http://schemas.openxmlformats.org/officeDocument/2006/docPropsVTypes" xmlns:a16="http://schemas.microsoft.com/office/drawing/2010/main" id="{3A645CD4-9A03-419C-A741-E27381C09F3A}"/>
               </a:ext>
             </a:extLst>
           </p:cNvPr>
@@ -5534,7 +5534,7 @@
           <p:cNvPr id="12" name="Text Placeholder 2">
             <a:extLst>
               <a:ext uri="{83A11339-5608-40F2-A836-93DBA3B1B2C5}">
-                <a16:creationId xmlns:a16="http://schemas.microsoft.com/office/drawing/2010/main" xmlns:vt="http://schemas.openxmlformats.org/officeDocument/2006/docPropsVTypes" xmlns:ns1="http://schemas.openxmlformats.org/officeDocument/2006/extended-properties" xmlns:cs="http://schemas.microsoft.com/office/drawing/2012/chartStyle" xmlns:c="http://schemas.openxmlformats.org/drawingml/2006/chart" xmlns="" id="{720F8775-6A9F-446A-BAA8-62EA5A901324}"/>
+                <a16:creationId xmlns="" xmlns:c="http://schemas.openxmlformats.org/drawingml/2006/chart" xmlns:cs="http://schemas.microsoft.com/office/drawing/2012/chartStyle" xmlns:ns1="http://schemas.openxmlformats.org/officeDocument/2006/extended-properties" xmlns:vt="http://schemas.openxmlformats.org/officeDocument/2006/docPropsVTypes" xmlns:a16="http://schemas.microsoft.com/office/drawing/2010/main" id="{720F8775-6A9F-446A-BAA8-62EA5A901324}"/>
               </a:ext>
             </a:extLst>
           </p:cNvPr>
@@ -5601,7 +5601,7 @@
           <p:cNvPr id="13" name="Slide Number Placeholder 5">
             <a:extLst>
               <a:ext uri="{AAAFEB01-1714-4228-972F-B54968E60388}">
-                <a16:creationId xmlns:a16="http://schemas.microsoft.com/office/drawing/2010/main" xmlns:vt="http://schemas.openxmlformats.org/officeDocument/2006/docPropsVTypes" xmlns:ns1="http://schemas.openxmlformats.org/officeDocument/2006/extended-properties" xmlns:cs="http://schemas.microsoft.com/office/drawing/2012/chartStyle" xmlns:c="http://schemas.openxmlformats.org/drawingml/2006/chart" xmlns="" id="{772AC041-1B0F-4144-8F52-38C64F4BB200}"/>
+                <a16:creationId xmlns="" xmlns:c="http://schemas.openxmlformats.org/drawingml/2006/chart" xmlns:cs="http://schemas.microsoft.com/office/drawing/2012/chartStyle" xmlns:ns1="http://schemas.openxmlformats.org/officeDocument/2006/extended-properties" xmlns:vt="http://schemas.openxmlformats.org/officeDocument/2006/docPropsVTypes" xmlns:a16="http://schemas.microsoft.com/office/drawing/2010/main" id="{772AC041-1B0F-4144-8F52-38C64F4BB200}"/>
               </a:ext>
             </a:extLst>
           </p:cNvPr>
@@ -5648,7 +5648,7 @@
           <p:cNvPr id="14" name="Footer Placeholder 4">
             <a:extLst>
               <a:ext uri="{F19A0397-9545-4088-8BA4-AC2B6AFB337E}">
-                <a16:creationId xmlns:a16="http://schemas.microsoft.com/office/drawing/2010/main" xmlns:vt="http://schemas.openxmlformats.org/officeDocument/2006/docPropsVTypes" xmlns:ns1="http://schemas.openxmlformats.org/officeDocument/2006/extended-properties" xmlns:cs="http://schemas.microsoft.com/office/drawing/2012/chartStyle" xmlns:c="http://schemas.openxmlformats.org/drawingml/2006/chart" xmlns="" id="{24708826-C66E-4AD5-9FC1-40F6A0F3DAC8}"/>
+                <a16:creationId xmlns="" xmlns:c="http://schemas.openxmlformats.org/drawingml/2006/chart" xmlns:cs="http://schemas.microsoft.com/office/drawing/2012/chartStyle" xmlns:ns1="http://schemas.openxmlformats.org/officeDocument/2006/extended-properties" xmlns:vt="http://schemas.openxmlformats.org/officeDocument/2006/docPropsVTypes" xmlns:a16="http://schemas.microsoft.com/office/drawing/2010/main" id="{24708826-C66E-4AD5-9FC1-40F6A0F3DAC8}"/>
               </a:ext>
             </a:extLst>
           </p:cNvPr>
@@ -5695,7 +5695,7 @@
           <p:cNvPr id="15" name="Date Placeholder 3">
             <a:extLst>
               <a:ext uri="{D354C15F-C8F3-4197-920A-93EF1FCC069B}">
-                <a16:creationId xmlns:a16="http://schemas.microsoft.com/office/drawing/2010/main" xmlns:vt="http://schemas.openxmlformats.org/officeDocument/2006/docPropsVTypes" xmlns:ns1="http://schemas.openxmlformats.org/officeDocument/2006/extended-properties" xmlns:cs="http://schemas.microsoft.com/office/drawing/2012/chartStyle" xmlns:c="http://schemas.openxmlformats.org/drawingml/2006/chart" xmlns="" id="{5CF80E4C-929A-4120-8499-FAB71184497C}"/>
+                <a16:creationId xmlns="" xmlns:c="http://schemas.openxmlformats.org/drawingml/2006/chart" xmlns:cs="http://schemas.microsoft.com/office/drawing/2012/chartStyle" xmlns:ns1="http://schemas.openxmlformats.org/officeDocument/2006/extended-properties" xmlns:vt="http://schemas.openxmlformats.org/officeDocument/2006/docPropsVTypes" xmlns:a16="http://schemas.microsoft.com/office/drawing/2010/main" id="{5CF80E4C-929A-4120-8499-FAB71184497C}"/>
               </a:ext>
             </a:extLst>
           </p:cNvPr>
@@ -6035,7 +6035,7 @@
           <p:cNvPr id="2" name="Title 1">
             <a:extLst>
               <a:ext uri="{8CC34788-52E9-4A7C-8F22-D01621641A3F}">
-                <a16:creationId xmlns:a16="http://schemas.microsoft.com/office/drawing/2010/main" xmlns:vt="http://schemas.openxmlformats.org/officeDocument/2006/docPropsVTypes" xmlns:ns1="http://schemas.openxmlformats.org/officeDocument/2006/extended-properties" xmlns:cs="http://schemas.microsoft.com/office/drawing/2012/chartStyle" xmlns:c="http://schemas.openxmlformats.org/drawingml/2006/chart" xmlns="" id="{B7F2A3ED-6CFC-4A75-998F-13E1FF43F604}"/>
+                <a16:creationId xmlns="" xmlns:c="http://schemas.openxmlformats.org/drawingml/2006/chart" xmlns:cs="http://schemas.microsoft.com/office/drawing/2012/chartStyle" xmlns:ns1="http://schemas.openxmlformats.org/officeDocument/2006/extended-properties" xmlns:vt="http://schemas.openxmlformats.org/officeDocument/2006/docPropsVTypes" xmlns:a16="http://schemas.microsoft.com/office/drawing/2010/main" id="{B7F2A3ED-6CFC-4A75-998F-13E1FF43F604}"/>
               </a:ext>
             </a:extLst>
           </p:cNvPr>
@@ -6068,7 +6068,7 @@
           <p:cNvPr id="3" name="Subtitle 2">
             <a:extLst>
               <a:ext uri="{049DE82F-779A-4F25-826B-0ADBA075A88A}">
-                <a16:creationId xmlns:a16="http://schemas.microsoft.com/office/drawing/2010/main" xmlns:vt="http://schemas.openxmlformats.org/officeDocument/2006/docPropsVTypes" xmlns:ns1="http://schemas.openxmlformats.org/officeDocument/2006/extended-properties" xmlns:cs="http://schemas.microsoft.com/office/drawing/2012/chartStyle" xmlns:c="http://schemas.openxmlformats.org/drawingml/2006/chart" xmlns="" id="{4D32CCF1-699F-4BEB-94B2-E4CA0E5056C2}"/>
+                <a16:creationId xmlns="" xmlns:c="http://schemas.openxmlformats.org/drawingml/2006/chart" xmlns:cs="http://schemas.microsoft.com/office/drawing/2012/chartStyle" xmlns:ns1="http://schemas.openxmlformats.org/officeDocument/2006/extended-properties" xmlns:vt="http://schemas.openxmlformats.org/officeDocument/2006/docPropsVTypes" xmlns:a16="http://schemas.microsoft.com/office/drawing/2010/main" id="{4D32CCF1-699F-4BEB-94B2-E4CA0E5056C2}"/>
               </a:ext>
             </a:extLst>
           </p:cNvPr>
@@ -6126,7 +6126,7 @@
     </p:spTree>
     <p:extLst>
       <p:ext uri="{41C2F35D-1947-4623-ACBF-4D78CEE3F4FA}">
-        <p14:creationId xmlns:p14="http://schemas.microsoft.com/office/powerpoint/2010/main" xmlns:vt="http://schemas.openxmlformats.org/officeDocument/2006/docPropsVTypes" xmlns:ns1="http://schemas.openxmlformats.org/officeDocument/2006/extended-properties" xmlns:cs="http://schemas.microsoft.com/office/drawing/2012/chartStyle" xmlns:c="http://schemas.openxmlformats.org/drawingml/2006/chart" xmlns="" val="1639045035692"/>
+        <p14:creationId xmlns="" xmlns:c="http://schemas.openxmlformats.org/drawingml/2006/chart" xmlns:cs="http://schemas.microsoft.com/office/drawing/2012/chartStyle" xmlns:ns1="http://schemas.openxmlformats.org/officeDocument/2006/extended-properties" xmlns:vt="http://schemas.openxmlformats.org/officeDocument/2006/docPropsVTypes" xmlns:p14="http://schemas.microsoft.com/office/powerpoint/2010/main" val="1639045035692"/>
       </p:ext>
     </p:extLst>
   </p:cSld>
@@ -6696,7 +6696,7 @@
           <p:cNvPr id="2" name="Title 7">
             <a:extLst>
               <a:ext uri="{BCBC2B1F-D91F-4F21-9B30-56A6042CCC91}">
-                <a16:creationId xmlns:a16="http://schemas.microsoft.com/office/drawing/2010/main" xmlns:vt="http://schemas.openxmlformats.org/officeDocument/2006/docPropsVTypes" xmlns:ns1="http://schemas.openxmlformats.org/officeDocument/2006/extended-properties" xmlns:cs="http://schemas.microsoft.com/office/drawing/2012/chartStyle" xmlns:c="http://schemas.openxmlformats.org/drawingml/2006/chart" xmlns="" id="{560D8477-793F-4438-9B79-047A0F888AF4}"/>
+                <a16:creationId xmlns="" xmlns:c="http://schemas.openxmlformats.org/drawingml/2006/chart" xmlns:cs="http://schemas.microsoft.com/office/drawing/2012/chartStyle" xmlns:ns1="http://schemas.openxmlformats.org/officeDocument/2006/extended-properties" xmlns:vt="http://schemas.openxmlformats.org/officeDocument/2006/docPropsVTypes" xmlns:a16="http://schemas.microsoft.com/office/drawing/2010/main" id="{560D8477-793F-4438-9B79-047A0F888AF4}"/>
               </a:ext>
             </a:extLst>
           </p:cNvPr>
@@ -6724,7 +6724,7 @@
           <p:cNvPr id="3" name="Content Placeholder 2">
             <a:extLst>
               <a:ext uri="{D31C69C2-3CEF-4C61-9EE0-DD03EA378653}">
-                <a16:creationId xmlns:a16="http://schemas.microsoft.com/office/drawing/2010/main" xmlns:vt="http://schemas.openxmlformats.org/officeDocument/2006/docPropsVTypes" xmlns:ns1="http://schemas.openxmlformats.org/officeDocument/2006/extended-properties" xmlns:cs="http://schemas.microsoft.com/office/drawing/2012/chartStyle" xmlns:c="http://schemas.openxmlformats.org/drawingml/2006/chart" xmlns="" id="{3C13C7FF-5E3D-4339-BEF3-F94C90D63A8B}"/>
+                <a16:creationId xmlns="" xmlns:c="http://schemas.openxmlformats.org/drawingml/2006/chart" xmlns:cs="http://schemas.microsoft.com/office/drawing/2012/chartStyle" xmlns:ns1="http://schemas.openxmlformats.org/officeDocument/2006/extended-properties" xmlns:vt="http://schemas.openxmlformats.org/officeDocument/2006/docPropsVTypes" xmlns:a16="http://schemas.microsoft.com/office/drawing/2010/main" id="{3C13C7FF-5E3D-4339-BEF3-F94C90D63A8B}"/>
               </a:ext>
             </a:extLst>
           </p:cNvPr>
@@ -6755,7 +6755,7 @@
           <p:cNvPr id="4" name="CuadroTexto 3">
             <a:extLst>
               <a:ext uri="{7A541117-D4FC-49C4-A29B-8565438C0A65}">
-                <a16:creationId xmlns:a16="http://schemas.microsoft.com/office/drawing/2010/main" xmlns:vt="http://schemas.openxmlformats.org/officeDocument/2006/docPropsVTypes" xmlns:ns1="http://schemas.openxmlformats.org/officeDocument/2006/extended-properties" xmlns:cs="http://schemas.microsoft.com/office/drawing/2012/chartStyle" xmlns:c="http://schemas.openxmlformats.org/drawingml/2006/chart" xmlns="" id="{B3B7E9FC-2587-4A7F-B8BB-3E792B556A87}"/>
+                <a16:creationId xmlns="" xmlns:c="http://schemas.openxmlformats.org/drawingml/2006/chart" xmlns:cs="http://schemas.microsoft.com/office/drawing/2012/chartStyle" xmlns:ns1="http://schemas.openxmlformats.org/officeDocument/2006/extended-properties" xmlns:vt="http://schemas.openxmlformats.org/officeDocument/2006/docPropsVTypes" xmlns:a16="http://schemas.microsoft.com/office/drawing/2010/main" id="{B3B7E9FC-2587-4A7F-B8BB-3E792B556A87}"/>
               </a:ext>
             </a:extLst>
           </p:cNvPr>
@@ -6801,7 +6801,7 @@
           <p:cNvPr id="5" name="CuadroTexto 4">
             <a:extLst>
               <a:ext uri="{B411F647-1F7A-481D-9B5A-74A912D60345}">
-                <a16:creationId xmlns:a16="http://schemas.microsoft.com/office/drawing/2010/main" xmlns:vt="http://schemas.openxmlformats.org/officeDocument/2006/docPropsVTypes" xmlns:ns1="http://schemas.openxmlformats.org/officeDocument/2006/extended-properties" xmlns:cs="http://schemas.microsoft.com/office/drawing/2012/chartStyle" xmlns:c="http://schemas.openxmlformats.org/drawingml/2006/chart" xmlns="" id="{C82D41A2-4C9D-43D5-B065-A5FC0E46CC17}"/>
+                <a16:creationId xmlns="" xmlns:c="http://schemas.openxmlformats.org/drawingml/2006/chart" xmlns:cs="http://schemas.microsoft.com/office/drawing/2012/chartStyle" xmlns:ns1="http://schemas.openxmlformats.org/officeDocument/2006/extended-properties" xmlns:vt="http://schemas.openxmlformats.org/officeDocument/2006/docPropsVTypes" xmlns:a16="http://schemas.microsoft.com/office/drawing/2010/main" id="{C82D41A2-4C9D-43D5-B065-A5FC0E46CC17}"/>
               </a:ext>
             </a:extLst>
           </p:cNvPr>
@@ -6942,7 +6942,7 @@
           <p:cNvPr id="6" name="Imagen 5">
             <a:extLst>
               <a:ext uri="{E07CE5B1-7688-4311-A11C-0EC4D3011459}">
-                <a16:creationId xmlns:a16="http://schemas.microsoft.com/office/drawing/2010/main" xmlns:vt="http://schemas.openxmlformats.org/officeDocument/2006/docPropsVTypes" xmlns:ns1="http://schemas.openxmlformats.org/officeDocument/2006/extended-properties" xmlns:cs="http://schemas.microsoft.com/office/drawing/2012/chartStyle" xmlns:c="http://schemas.openxmlformats.org/drawingml/2006/chart" xmlns="" id="{74133367-933D-4BBD-81DE-0888DFB35ED3}"/>
+                <a16:creationId xmlns="" xmlns:c="http://schemas.openxmlformats.org/drawingml/2006/chart" xmlns:cs="http://schemas.microsoft.com/office/drawing/2012/chartStyle" xmlns:ns1="http://schemas.openxmlformats.org/officeDocument/2006/extended-properties" xmlns:vt="http://schemas.openxmlformats.org/officeDocument/2006/docPropsVTypes" xmlns:a16="http://schemas.microsoft.com/office/drawing/2010/main" id="{74133367-933D-4BBD-81DE-0888DFB35ED3}"/>
               </a:ext>
             </a:extLst>
           </p:cNvPr>
@@ -6973,7 +6973,7 @@
           <p:cNvPr id="7" name="CuadroTexto 6">
             <a:extLst>
               <a:ext uri="{73C716E2-AE8B-4645-B0C0-335BD4948D96}">
-                <a16:creationId xmlns:a16="http://schemas.microsoft.com/office/drawing/2010/main" xmlns:vt="http://schemas.openxmlformats.org/officeDocument/2006/docPropsVTypes" xmlns:ns1="http://schemas.openxmlformats.org/officeDocument/2006/extended-properties" xmlns:cs="http://schemas.microsoft.com/office/drawing/2012/chartStyle" xmlns:c="http://schemas.openxmlformats.org/drawingml/2006/chart" xmlns="" id="{AF16C3E8-3B90-4302-9CC2-FFB824E29C7E}"/>
+                <a16:creationId xmlns="" xmlns:c="http://schemas.openxmlformats.org/drawingml/2006/chart" xmlns:cs="http://schemas.microsoft.com/office/drawing/2012/chartStyle" xmlns:ns1="http://schemas.openxmlformats.org/officeDocument/2006/extended-properties" xmlns:vt="http://schemas.openxmlformats.org/officeDocument/2006/docPropsVTypes" xmlns:a16="http://schemas.microsoft.com/office/drawing/2010/main" id="{AF16C3E8-3B90-4302-9CC2-FFB824E29C7E}"/>
               </a:ext>
             </a:extLst>
           </p:cNvPr>
@@ -7078,7 +7078,7 @@
     </p:spTree>
     <p:extLst>
       <p:ext uri="{2BADF74B-F909-40DC-93FC-865E95E95892}">
-        <p14:creationId xmlns:p14="http://schemas.microsoft.com/office/powerpoint/2010/main" xmlns:vt="http://schemas.openxmlformats.org/officeDocument/2006/docPropsVTypes" xmlns:ns1="http://schemas.openxmlformats.org/officeDocument/2006/extended-properties" xmlns:cs="http://schemas.microsoft.com/office/drawing/2012/chartStyle" xmlns:c="http://schemas.openxmlformats.org/drawingml/2006/chart" xmlns="" val="1639045035697"/>
+        <p14:creationId xmlns="" xmlns:c="http://schemas.openxmlformats.org/drawingml/2006/chart" xmlns:cs="http://schemas.microsoft.com/office/drawing/2012/chartStyle" xmlns:ns1="http://schemas.openxmlformats.org/officeDocument/2006/extended-properties" xmlns:vt="http://schemas.openxmlformats.org/officeDocument/2006/docPropsVTypes" xmlns:p14="http://schemas.microsoft.com/office/powerpoint/2010/main" val="1639045035697"/>
       </p:ext>
     </p:extLst>
   </p:cSld>
@@ -7336,7 +7336,7 @@
           <p:cNvPr id="2" name="Title 7">
             <a:extLst>
               <a:ext uri="{59D8FC5E-00A3-4D7F-AAF9-EFACABE0B78B}">
-                <a16:creationId xmlns:a16="http://schemas.microsoft.com/office/drawing/2010/main" xmlns:vt="http://schemas.openxmlformats.org/officeDocument/2006/docPropsVTypes" xmlns:ns1="http://schemas.openxmlformats.org/officeDocument/2006/extended-properties" xmlns:cs="http://schemas.microsoft.com/office/drawing/2012/chartStyle" xmlns:c="http://schemas.openxmlformats.org/drawingml/2006/chart" xmlns="" id="{9CF49AE9-5307-4D70-BD6F-F97A5C0C2F19}"/>
+                <a16:creationId xmlns="" xmlns:c="http://schemas.openxmlformats.org/drawingml/2006/chart" xmlns:cs="http://schemas.microsoft.com/office/drawing/2012/chartStyle" xmlns:ns1="http://schemas.openxmlformats.org/officeDocument/2006/extended-properties" xmlns:vt="http://schemas.openxmlformats.org/officeDocument/2006/docPropsVTypes" xmlns:a16="http://schemas.microsoft.com/office/drawing/2010/main" id="{9CF49AE9-5307-4D70-BD6F-F97A5C0C2F19}"/>
               </a:ext>
             </a:extLst>
           </p:cNvPr>
@@ -7400,7 +7400,7 @@
           <p:cNvPr id="3" name="Imagen 2">
             <a:extLst>
               <a:ext uri="{894A10F6-91C3-4168-82BC-2B6F71D01838}">
-                <a16:creationId xmlns:a16="http://schemas.microsoft.com/office/drawing/2010/main" xmlns:vt="http://schemas.openxmlformats.org/officeDocument/2006/docPropsVTypes" xmlns:ns1="http://schemas.openxmlformats.org/officeDocument/2006/extended-properties" xmlns:cs="http://schemas.microsoft.com/office/drawing/2012/chartStyle" xmlns:c="http://schemas.openxmlformats.org/drawingml/2006/chart" xmlns="" id="{53E53635-0294-49FF-BE71-0354A3840419}"/>
+                <a16:creationId xmlns="" xmlns:c="http://schemas.openxmlformats.org/drawingml/2006/chart" xmlns:cs="http://schemas.microsoft.com/office/drawing/2012/chartStyle" xmlns:ns1="http://schemas.openxmlformats.org/officeDocument/2006/extended-properties" xmlns:vt="http://schemas.openxmlformats.org/officeDocument/2006/docPropsVTypes" xmlns:a16="http://schemas.microsoft.com/office/drawing/2010/main" id="{53E53635-0294-49FF-BE71-0354A3840419}"/>
               </a:ext>
             </a:extLst>
           </p:cNvPr>
@@ -7431,7 +7431,7 @@
           <p:cNvPr id="4" name="Imagen 3">
             <a:extLst>
               <a:ext uri="{496B650D-79C0-4B73-BD37-31F555EA18F4}">
-                <a16:creationId xmlns:a16="http://schemas.microsoft.com/office/drawing/2010/main" xmlns:vt="http://schemas.openxmlformats.org/officeDocument/2006/docPropsVTypes" xmlns:ns1="http://schemas.openxmlformats.org/officeDocument/2006/extended-properties" xmlns:cs="http://schemas.microsoft.com/office/drawing/2012/chartStyle" xmlns:c="http://schemas.openxmlformats.org/drawingml/2006/chart" xmlns="" id="{34EB4D98-177C-4C1F-AAEE-780D6A1B78C1}"/>
+                <a16:creationId xmlns="" xmlns:c="http://schemas.openxmlformats.org/drawingml/2006/chart" xmlns:cs="http://schemas.microsoft.com/office/drawing/2012/chartStyle" xmlns:ns1="http://schemas.openxmlformats.org/officeDocument/2006/extended-properties" xmlns:vt="http://schemas.openxmlformats.org/officeDocument/2006/docPropsVTypes" xmlns:a16="http://schemas.microsoft.com/office/drawing/2010/main" id="{34EB4D98-177C-4C1F-AAEE-780D6A1B78C1}"/>
               </a:ext>
             </a:extLst>
           </p:cNvPr>
@@ -7459,10 +7459,10 @@
       </p:pic>
       <p:pic>
         <p:nvPicPr>
-          <p:cNvPr id="5" name="Imagen 4">
-            <a:extLst>
-              <a:ext uri="{583E04D0-6141-4ABD-821D-F9E9BA0B10AB}">
-                <a16:creationId xmlns:a16="http://schemas.microsoft.com/office/drawing/2010/main" xmlns:vt="http://schemas.openxmlformats.org/officeDocument/2006/docPropsVTypes" xmlns:ns1="http://schemas.openxmlformats.org/officeDocument/2006/extended-properties" xmlns:cs="http://schemas.microsoft.com/office/drawing/2012/chartStyle" xmlns:c="http://schemas.openxmlformats.org/drawingml/2006/chart" xmlns="" id="{C0B4334F-3502-41D2-B595-AF0E865A77C4}"/>
+          <p:cNvPr id="8" name="Imagen 7">
+            <a:extLst>
+              <a:ext uri="{58E0C342-0CBA-4521-856A-01BB8584281E}">
+                <a16:creationId xmlns="" xmlns:c="http://schemas.openxmlformats.org/drawingml/2006/chart" xmlns:cs="http://schemas.microsoft.com/office/drawing/2012/chartStyle" xmlns:ns1="http://schemas.openxmlformats.org/officeDocument/2006/extended-properties" xmlns:vt="http://schemas.openxmlformats.org/officeDocument/2006/docPropsVTypes" xmlns:a16="http://schemas.microsoft.com/office/drawing/2010/main" id="{DA84BE4F-7871-441F-93F8-28AF14F08884}"/>
               </a:ext>
             </a:extLst>
           </p:cNvPr>
@@ -7473,99 +7473,6 @@
         </p:nvPicPr>
         <p:blipFill>
           <a:blip r:embed="rId4"/>
-          <a:stretch>
-            <a:fillRect/>
-          </a:stretch>
-        </p:blipFill>
-        <p:spPr>
-          <a:xfrm>
-            <a:off x="2250233" y="1867166"/>
-            <a:ext cx="1498434" cy="1123826"/>
-          </a:xfrm>
-          <a:prstGeom prst="rect">
-            <a:avLst/>
-          </a:prstGeom>
-          <a:noFill/>
-        </p:spPr>
-      </p:pic>
-      <p:pic>
-        <p:nvPicPr>
-          <p:cNvPr id="6" name="Imagen 5">
-            <a:extLst>
-              <a:ext uri="{9499BB69-B6F1-4022-AF2E-1515DDC246EC}">
-                <a16:creationId xmlns:a16="http://schemas.microsoft.com/office/drawing/2010/main" xmlns:vt="http://schemas.openxmlformats.org/officeDocument/2006/docPropsVTypes" xmlns:ns1="http://schemas.openxmlformats.org/officeDocument/2006/extended-properties" xmlns:cs="http://schemas.microsoft.com/office/drawing/2012/chartStyle" xmlns:c="http://schemas.openxmlformats.org/drawingml/2006/chart" xmlns="" id="{348F750A-818F-4A42-8E62-65112398EE70}"/>
-              </a:ext>
-            </a:extLst>
-          </p:cNvPr>
-          <p:cNvPicPr>
-            <a:picLocks noChangeAspect="1"/>
-          </p:cNvPicPr>
-          <p:nvPr/>
-        </p:nvPicPr>
-        <p:blipFill>
-          <a:blip r:embed="rId5"/>
-          <a:stretch>
-            <a:fillRect/>
-          </a:stretch>
-        </p:blipFill>
-        <p:spPr>
-          <a:xfrm>
-            <a:off x="5613634" y="1819275"/>
-            <a:ext cx="1232515" cy="1232515"/>
-          </a:xfrm>
-          <a:prstGeom prst="rect">
-            <a:avLst/>
-          </a:prstGeom>
-          <a:noFill/>
-        </p:spPr>
-      </p:pic>
-      <p:pic>
-        <p:nvPicPr>
-          <p:cNvPr id="7" name="Imagen 6">
-            <a:extLst>
-              <a:ext uri="{4A4A27ED-EB50-4C4B-BFF9-5F9235D544F4}">
-                <a16:creationId xmlns:a16="http://schemas.microsoft.com/office/drawing/2010/main" xmlns:vt="http://schemas.openxmlformats.org/officeDocument/2006/docPropsVTypes" xmlns:ns1="http://schemas.openxmlformats.org/officeDocument/2006/extended-properties" xmlns:cs="http://schemas.microsoft.com/office/drawing/2012/chartStyle" xmlns:c="http://schemas.openxmlformats.org/drawingml/2006/chart" xmlns="" id="{ADD9A2A8-E42D-4E52-BF9F-FB9A8E3A1091}"/>
-              </a:ext>
-            </a:extLst>
-          </p:cNvPr>
-          <p:cNvPicPr>
-            <a:picLocks noChangeAspect="1"/>
-          </p:cNvPicPr>
-          <p:nvPr/>
-        </p:nvPicPr>
-        <p:blipFill>
-          <a:blip r:embed="rId6"/>
-          <a:stretch>
-            <a:fillRect/>
-          </a:stretch>
-        </p:blipFill>
-        <p:spPr>
-          <a:xfrm>
-            <a:off x="7029840" y="1757467"/>
-            <a:ext cx="1819656" cy="1365789"/>
-          </a:xfrm>
-          <a:prstGeom prst="rect">
-            <a:avLst/>
-          </a:prstGeom>
-          <a:noFill/>
-        </p:spPr>
-      </p:pic>
-      <p:pic>
-        <p:nvPicPr>
-          <p:cNvPr id="8" name="Imagen 7">
-            <a:extLst>
-              <a:ext uri="{58E0C342-0CBA-4521-856A-01BB8584281E}">
-                <a16:creationId xmlns:a16="http://schemas.microsoft.com/office/drawing/2010/main" xmlns:vt="http://schemas.openxmlformats.org/officeDocument/2006/docPropsVTypes" xmlns:ns1="http://schemas.openxmlformats.org/officeDocument/2006/extended-properties" xmlns:cs="http://schemas.microsoft.com/office/drawing/2012/chartStyle" xmlns:c="http://schemas.openxmlformats.org/drawingml/2006/chart" xmlns="" id="{DA84BE4F-7871-441F-93F8-28AF14F08884}"/>
-              </a:ext>
-            </a:extLst>
-          </p:cNvPr>
-          <p:cNvPicPr>
-            <a:picLocks noChangeAspect="1"/>
-          </p:cNvPicPr>
-          <p:nvPr/>
-        </p:nvPicPr>
-        <p:blipFill>
-          <a:blip r:embed="rId7"/>
           <a:stretch>
             <a:fillRect/>
           </a:stretch>
@@ -7581,10 +7488,179 @@
           <a:noFill/>
         </p:spPr>
       </p:pic>
+      <p:pic>
+        <p:nvPicPr>
+          <p:cNvPr id="1026" name="Picture 2" descr="Storybook (@storybookjs) / Twitter">
+            <a:extLst>
+              <a:ext uri="{FF2B5EF4-FFF2-40B4-BE49-F238E27FC236}">
+                <a16:creationId xmlns:a16="http://schemas.microsoft.com/office/drawing/2014/main" id="{0BB3869D-1343-316D-6832-1F409FCFF7FA}"/>
+              </a:ext>
+            </a:extLst>
+          </p:cNvPr>
+          <p:cNvPicPr>
+            <a:picLocks noChangeAspect="1" noChangeArrowheads="1"/>
+          </p:cNvPicPr>
+          <p:nvPr/>
+        </p:nvPicPr>
+        <p:blipFill>
+          <a:blip r:embed="rId5">
+            <a:extLst>
+              <a:ext uri="{28A0092B-C50C-407E-A947-70E740481C1C}">
+                <a14:useLocalDpi xmlns:a14="http://schemas.microsoft.com/office/drawing/2010/main" val="0"/>
+              </a:ext>
+            </a:extLst>
+          </a:blip>
+          <a:srcRect/>
+          <a:stretch>
+            <a:fillRect/>
+          </a:stretch>
+        </p:blipFill>
+        <p:spPr bwMode="auto">
+          <a:xfrm>
+            <a:off x="5486400" y="1586104"/>
+            <a:ext cx="1685959" cy="1685959"/>
+          </a:xfrm>
+          <a:prstGeom prst="rect">
+            <a:avLst/>
+          </a:prstGeom>
+          <a:noFill/>
+          <a:extLst>
+            <a:ext uri="{909E8E84-426E-40DD-AFC4-6F175D3DCCD1}">
+              <a14:hiddenFill xmlns:a14="http://schemas.microsoft.com/office/drawing/2010/main">
+                <a:solidFill>
+                  <a:srgbClr val="FFFFFF"/>
+                </a:solidFill>
+              </a14:hiddenFill>
+            </a:ext>
+          </a:extLst>
+        </p:spPr>
+      </p:pic>
+      <p:pic>
+        <p:nvPicPr>
+          <p:cNvPr id="1028" name="Picture 4" descr="Jest Plugin | Nx">
+            <a:extLst>
+              <a:ext uri="{FF2B5EF4-FFF2-40B4-BE49-F238E27FC236}">
+                <a16:creationId xmlns:a16="http://schemas.microsoft.com/office/drawing/2014/main" id="{1AAD9D69-D5AC-D443-14D3-F52D002DB267}"/>
+              </a:ext>
+            </a:extLst>
+          </p:cNvPr>
+          <p:cNvPicPr>
+            <a:picLocks noChangeAspect="1" noChangeArrowheads="1"/>
+          </p:cNvPicPr>
+          <p:nvPr/>
+        </p:nvPicPr>
+        <p:blipFill>
+          <a:blip r:embed="rId6">
+            <a:extLst>
+              <a:ext uri="{28A0092B-C50C-407E-A947-70E740481C1C}">
+                <a14:useLocalDpi xmlns:a14="http://schemas.microsoft.com/office/drawing/2010/main" val="0"/>
+              </a:ext>
+            </a:extLst>
+          </a:blip>
+          <a:srcRect/>
+          <a:stretch>
+            <a:fillRect/>
+          </a:stretch>
+        </p:blipFill>
+        <p:spPr bwMode="auto">
+          <a:xfrm>
+            <a:off x="7153379" y="1586104"/>
+            <a:ext cx="1685959" cy="1685959"/>
+          </a:xfrm>
+          <a:prstGeom prst="rect">
+            <a:avLst/>
+          </a:prstGeom>
+          <a:noFill/>
+          <a:extLst>
+            <a:ext uri="{909E8E84-426E-40DD-AFC4-6F175D3DCCD1}">
+              <a14:hiddenFill xmlns:a14="http://schemas.microsoft.com/office/drawing/2010/main">
+                <a:solidFill>
+                  <a:srgbClr val="FFFFFF"/>
+                </a:solidFill>
+              </a14:hiddenFill>
+            </a:ext>
+          </a:extLst>
+        </p:spPr>
+      </p:pic>
+      <p:sp>
+        <p:nvSpPr>
+          <p:cNvPr id="12" name="AutoShape 12">
+            <a:extLst>
+              <a:ext uri="{FF2B5EF4-FFF2-40B4-BE49-F238E27FC236}">
+                <a16:creationId xmlns:a16="http://schemas.microsoft.com/office/drawing/2014/main" id="{965A1AAA-0F2D-AAB2-513D-1E2CFB3E5DAE}"/>
+              </a:ext>
+            </a:extLst>
+          </p:cNvPr>
+          <p:cNvSpPr>
+            <a:spLocks noChangeAspect="1" noChangeArrowheads="1"/>
+          </p:cNvSpPr>
+          <p:nvPr/>
+        </p:nvSpPr>
+        <p:spPr bwMode="auto">
+          <a:xfrm>
+            <a:off x="2743200" y="742950"/>
+            <a:ext cx="1981200" cy="1981200"/>
+          </a:xfrm>
+          <a:prstGeom prst="rect">
+            <a:avLst/>
+          </a:prstGeom>
+          <a:noFill/>
+          <a:extLst>
+            <a:ext uri="{909E8E84-426E-40DD-AFC4-6F175D3DCCD1}">
+              <a14:hiddenFill xmlns:a14="http://schemas.microsoft.com/office/drawing/2010/main">
+                <a:solidFill>
+                  <a:srgbClr val="FFFFFF"/>
+                </a:solidFill>
+              </a14:hiddenFill>
+            </a:ext>
+          </a:extLst>
+        </p:spPr>
+        <p:txBody>
+          <a:bodyPr vert="horz" wrap="square" lIns="91440" tIns="45720" rIns="91440" bIns="45720" numCol="1" anchor="t" anchorCtr="0" compatLnSpc="1">
+            <a:prstTxWarp prst="textNoShape">
+              <a:avLst/>
+            </a:prstTxWarp>
+          </a:bodyPr>
+          <a:lstStyle/>
+          <a:p>
+            <a:endParaRPr lang="en-ES"/>
+          </a:p>
+        </p:txBody>
+      </p:sp>
+      <p:pic>
+        <p:nvPicPr>
+          <p:cNvPr id="13" name="Picture 12">
+            <a:extLst>
+              <a:ext uri="{FF2B5EF4-FFF2-40B4-BE49-F238E27FC236}">
+                <a16:creationId xmlns:a16="http://schemas.microsoft.com/office/drawing/2014/main" id="{53286DC0-0326-9DFD-E5B2-A49F02F75F91}"/>
+              </a:ext>
+            </a:extLst>
+          </p:cNvPr>
+          <p:cNvPicPr>
+            <a:picLocks noChangeAspect="1"/>
+          </p:cNvPicPr>
+          <p:nvPr/>
+        </p:nvPicPr>
+        <p:blipFill>
+          <a:blip r:embed="rId7"/>
+          <a:stretch>
+            <a:fillRect/>
+          </a:stretch>
+        </p:blipFill>
+        <p:spPr>
+          <a:xfrm>
+            <a:off x="2079323" y="1672007"/>
+            <a:ext cx="1590755" cy="1536700"/>
+          </a:xfrm>
+          <a:prstGeom prst="rect">
+            <a:avLst/>
+          </a:prstGeom>
+        </p:spPr>
+      </p:pic>
     </p:spTree>
     <p:extLst>
       <p:ext uri="{0FEFFC4A-70D6-41D7-A1FD-A6ADCED7B5FC}">
-        <p14:creationId xmlns:p14="http://schemas.microsoft.com/office/powerpoint/2010/main" xmlns:vt="http://schemas.openxmlformats.org/officeDocument/2006/docPropsVTypes" xmlns:ns1="http://schemas.openxmlformats.org/officeDocument/2006/extended-properties" xmlns:cs="http://schemas.microsoft.com/office/drawing/2012/chartStyle" xmlns:c="http://schemas.openxmlformats.org/drawingml/2006/chart" xmlns="" val="1639045035701"/>
+        <p14:creationId xmlns="" xmlns:c="http://schemas.openxmlformats.org/drawingml/2006/chart" xmlns:cs="http://schemas.microsoft.com/office/drawing/2012/chartStyle" xmlns:ns1="http://schemas.openxmlformats.org/officeDocument/2006/extended-properties" xmlns:vt="http://schemas.openxmlformats.org/officeDocument/2006/docPropsVTypes" xmlns:p14="http://schemas.microsoft.com/office/powerpoint/2010/main" val="1639045035701"/>
       </p:ext>
     </p:extLst>
   </p:cSld>
@@ -7657,7 +7733,7 @@
                             </p:stCondLst>
                             <p:childTnLst>
                               <p:par>
-                                <p:cTn id="9" presetID="1" presetClass="entr" presetSubtype="0" fill="hold" grpId="1" nodeType="clickEffect">
+                                <p:cTn id="9" presetID="1" presetClass="entr" presetSubtype="0" fill="hold" grpId="2" nodeType="clickEffect">
                                   <p:stCondLst>
                                     <p:cond delay="0"/>
                                   </p:stCondLst>
@@ -7670,7 +7746,7 @@
                                           </p:stCondLst>
                                         </p:cTn>
                                         <p:tgtEl>
-                                          <p:spTgt spid="5"/>
+                                          <p:spTgt spid="4"/>
                                         </p:tgtEl>
                                         <p:attrNameLst>
                                           <p:attrName>style.visibility</p:attrName>
@@ -7702,7 +7778,7 @@
                             </p:stCondLst>
                             <p:childTnLst>
                               <p:par>
-                                <p:cTn id="13" presetID="1" presetClass="entr" presetSubtype="0" fill="hold" grpId="2" nodeType="clickEffect">
+                                <p:cTn id="13" presetID="1" presetClass="entr" presetSubtype="0" fill="hold" grpId="5" nodeType="clickEffect">
                                   <p:stCondLst>
                                     <p:cond delay="0"/>
                                   </p:stCondLst>
@@ -7710,141 +7786,6 @@
                                     <p:set>
                                       <p:cBhvr>
                                         <p:cTn id="14" dur="250" fill="hold">
-                                          <p:stCondLst>
-                                            <p:cond delay="0"/>
-                                          </p:stCondLst>
-                                        </p:cTn>
-                                        <p:tgtEl>
-                                          <p:spTgt spid="4"/>
-                                        </p:tgtEl>
-                                        <p:attrNameLst>
-                                          <p:attrName>style.visibility</p:attrName>
-                                        </p:attrNameLst>
-                                      </p:cBhvr>
-                                      <p:to>
-                                        <p:strVal val="visible"/>
-                                      </p:to>
-                                    </p:set>
-                                  </p:childTnLst>
-                                </p:cTn>
-                              </p:par>
-                            </p:childTnLst>
-                          </p:cTn>
-                        </p:par>
-                      </p:childTnLst>
-                    </p:cTn>
-                  </p:par>
-                  <p:par>
-                    <p:cTn id="15" fill="hold">
-                      <p:stCondLst>
-                        <p:cond delay="indefinite"/>
-                      </p:stCondLst>
-                      <p:childTnLst>
-                        <p:par>
-                          <p:cTn id="16" fill="hold">
-                            <p:stCondLst>
-                              <p:cond delay="0"/>
-                            </p:stCondLst>
-                            <p:childTnLst>
-                              <p:par>
-                                <p:cTn id="17" presetID="1" presetClass="entr" presetSubtype="0" fill="hold" grpId="3" nodeType="clickEffect">
-                                  <p:stCondLst>
-                                    <p:cond delay="0"/>
-                                  </p:stCondLst>
-                                  <p:childTnLst>
-                                    <p:set>
-                                      <p:cBhvr>
-                                        <p:cTn id="18" dur="250" fill="hold">
-                                          <p:stCondLst>
-                                            <p:cond delay="0"/>
-                                          </p:stCondLst>
-                                        </p:cTn>
-                                        <p:tgtEl>
-                                          <p:spTgt spid="6"/>
-                                        </p:tgtEl>
-                                        <p:attrNameLst>
-                                          <p:attrName>style.visibility</p:attrName>
-                                        </p:attrNameLst>
-                                      </p:cBhvr>
-                                      <p:to>
-                                        <p:strVal val="visible"/>
-                                      </p:to>
-                                    </p:set>
-                                  </p:childTnLst>
-                                </p:cTn>
-                              </p:par>
-                            </p:childTnLst>
-                          </p:cTn>
-                        </p:par>
-                      </p:childTnLst>
-                    </p:cTn>
-                  </p:par>
-                  <p:par>
-                    <p:cTn id="19" fill="hold">
-                      <p:stCondLst>
-                        <p:cond delay="indefinite"/>
-                      </p:stCondLst>
-                      <p:childTnLst>
-                        <p:par>
-                          <p:cTn id="20" fill="hold">
-                            <p:stCondLst>
-                              <p:cond delay="0"/>
-                            </p:stCondLst>
-                            <p:childTnLst>
-                              <p:par>
-                                <p:cTn id="21" presetID="1" presetClass="entr" presetSubtype="0" fill="hold" grpId="4" nodeType="clickEffect">
-                                  <p:stCondLst>
-                                    <p:cond delay="0"/>
-                                  </p:stCondLst>
-                                  <p:childTnLst>
-                                    <p:set>
-                                      <p:cBhvr>
-                                        <p:cTn id="22" dur="250" fill="hold">
-                                          <p:stCondLst>
-                                            <p:cond delay="0"/>
-                                          </p:stCondLst>
-                                        </p:cTn>
-                                        <p:tgtEl>
-                                          <p:spTgt spid="7"/>
-                                        </p:tgtEl>
-                                        <p:attrNameLst>
-                                          <p:attrName>style.visibility</p:attrName>
-                                        </p:attrNameLst>
-                                      </p:cBhvr>
-                                      <p:to>
-                                        <p:strVal val="visible"/>
-                                      </p:to>
-                                    </p:set>
-                                  </p:childTnLst>
-                                </p:cTn>
-                              </p:par>
-                            </p:childTnLst>
-                          </p:cTn>
-                        </p:par>
-                      </p:childTnLst>
-                    </p:cTn>
-                  </p:par>
-                  <p:par>
-                    <p:cTn id="23" fill="hold">
-                      <p:stCondLst>
-                        <p:cond delay="indefinite"/>
-                      </p:stCondLst>
-                      <p:childTnLst>
-                        <p:par>
-                          <p:cTn id="24" fill="hold">
-                            <p:stCondLst>
-                              <p:cond delay="0"/>
-                            </p:stCondLst>
-                            <p:childTnLst>
-                              <p:par>
-                                <p:cTn id="25" presetID="1" presetClass="entr" presetSubtype="0" fill="hold" grpId="5" nodeType="clickEffect">
-                                  <p:stCondLst>
-                                    <p:cond delay="0"/>
-                                  </p:stCondLst>
-                                  <p:childTnLst>
-                                    <p:set>
-                                      <p:cBhvr>
-                                        <p:cTn id="26" dur="250" fill="hold">
                                           <p:stCondLst>
                                             <p:cond delay="0"/>
                                           </p:stCondLst>
@@ -7893,9 +7834,6 @@
     <p:bldLst>
       <p:bldP spid="3" grpId="0" animBg="1"/>
       <p:bldP spid="4" grpId="2" animBg="1"/>
-      <p:bldP spid="5" grpId="1" animBg="1"/>
-      <p:bldP spid="6" grpId="3" animBg="1"/>
-      <p:bldP spid="7" grpId="4" animBg="1"/>
       <p:bldP spid="8" grpId="5" animBg="1"/>
     </p:bldLst>
   </p:timing>
@@ -7924,7 +7862,7 @@
           <p:cNvPr id="2" name="Title 7">
             <a:extLst>
               <a:ext uri="{FBA6FE0C-BF37-4875-8CF1-C0DAECC2E84F}">
-                <a16:creationId xmlns:a16="http://schemas.microsoft.com/office/drawing/2010/main" xmlns:vt="http://schemas.openxmlformats.org/officeDocument/2006/docPropsVTypes" xmlns:ns1="http://schemas.openxmlformats.org/officeDocument/2006/extended-properties" xmlns:cs="http://schemas.microsoft.com/office/drawing/2012/chartStyle" xmlns:c="http://schemas.openxmlformats.org/drawingml/2006/chart" xmlns="" id="{90A6CACD-449F-48E5-BE18-3FD87AF656DF}"/>
+                <a16:creationId xmlns="" xmlns:c="http://schemas.openxmlformats.org/drawingml/2006/chart" xmlns:cs="http://schemas.microsoft.com/office/drawing/2012/chartStyle" xmlns:ns1="http://schemas.openxmlformats.org/officeDocument/2006/extended-properties" xmlns:vt="http://schemas.openxmlformats.org/officeDocument/2006/docPropsVTypes" xmlns:a16="http://schemas.microsoft.com/office/drawing/2010/main" id="{90A6CACD-449F-48E5-BE18-3FD87AF656DF}"/>
               </a:ext>
             </a:extLst>
           </p:cNvPr>
@@ -7952,7 +7890,7 @@
           <p:cNvPr id="3" name="Content Placeholder 2">
             <a:extLst>
               <a:ext uri="{B06F6341-BB6F-45E8-969E-BCA83CB167E3}">
-                <a16:creationId xmlns:a16="http://schemas.microsoft.com/office/drawing/2010/main" xmlns:vt="http://schemas.openxmlformats.org/officeDocument/2006/docPropsVTypes" xmlns:ns1="http://schemas.openxmlformats.org/officeDocument/2006/extended-properties" xmlns:cs="http://schemas.microsoft.com/office/drawing/2012/chartStyle" xmlns:c="http://schemas.openxmlformats.org/drawingml/2006/chart" xmlns="" id="{AAAC990F-EAED-4345-A48E-1519F4705503}"/>
+                <a16:creationId xmlns="" xmlns:c="http://schemas.openxmlformats.org/drawingml/2006/chart" xmlns:cs="http://schemas.microsoft.com/office/drawing/2012/chartStyle" xmlns:ns1="http://schemas.openxmlformats.org/officeDocument/2006/extended-properties" xmlns:vt="http://schemas.openxmlformats.org/officeDocument/2006/docPropsVTypes" xmlns:a16="http://schemas.microsoft.com/office/drawing/2010/main" id="{AAAC990F-EAED-4345-A48E-1519F4705503}"/>
               </a:ext>
             </a:extLst>
           </p:cNvPr>
@@ -8072,7 +8010,7 @@
     </p:spTree>
     <p:extLst>
       <p:ext uri="{5E70BC19-DE66-474B-AAEB-422C023023B6}">
-        <p14:creationId xmlns:p14="http://schemas.microsoft.com/office/powerpoint/2010/main" xmlns:vt="http://schemas.openxmlformats.org/officeDocument/2006/docPropsVTypes" xmlns:ns1="http://schemas.openxmlformats.org/officeDocument/2006/extended-properties" xmlns:cs="http://schemas.microsoft.com/office/drawing/2012/chartStyle" xmlns:c="http://schemas.openxmlformats.org/drawingml/2006/chart" xmlns="" val="1639045035704"/>
+        <p14:creationId xmlns="" xmlns:c="http://schemas.openxmlformats.org/drawingml/2006/chart" xmlns:cs="http://schemas.microsoft.com/office/drawing/2012/chartStyle" xmlns:ns1="http://schemas.openxmlformats.org/officeDocument/2006/extended-properties" xmlns:vt="http://schemas.openxmlformats.org/officeDocument/2006/docPropsVTypes" xmlns:p14="http://schemas.microsoft.com/office/powerpoint/2010/main" val="1639045035704"/>
       </p:ext>
     </p:extLst>
   </p:cSld>
@@ -8104,7 +8042,7 @@
           <p:cNvPr id="2" name="Title 7">
             <a:extLst>
               <a:ext uri="{B2EDEAC8-9851-4604-83CA-0F27535847A5}">
-                <a16:creationId xmlns:a16="http://schemas.microsoft.com/office/drawing/2010/main" xmlns:vt="http://schemas.openxmlformats.org/officeDocument/2006/docPropsVTypes" xmlns:ns1="http://schemas.openxmlformats.org/officeDocument/2006/extended-properties" xmlns:cs="http://schemas.microsoft.com/office/drawing/2012/chartStyle" xmlns:c="http://schemas.openxmlformats.org/drawingml/2006/chart" xmlns="" id="{A9D43595-2370-42F6-A721-4A752C593F5E}"/>
+                <a16:creationId xmlns="" xmlns:c="http://schemas.openxmlformats.org/drawingml/2006/chart" xmlns:cs="http://schemas.microsoft.com/office/drawing/2012/chartStyle" xmlns:ns1="http://schemas.openxmlformats.org/officeDocument/2006/extended-properties" xmlns:vt="http://schemas.openxmlformats.org/officeDocument/2006/docPropsVTypes" xmlns:a16="http://schemas.microsoft.com/office/drawing/2010/main" id="{A9D43595-2370-42F6-A721-4A752C593F5E}"/>
               </a:ext>
             </a:extLst>
           </p:cNvPr>
@@ -8136,7 +8074,7 @@
           <p:cNvPr id="3" name="Imagen 2">
             <a:extLst>
               <a:ext uri="{B70AA117-A4BF-4745-9EF4-FE0D04F22202}">
-                <a16:creationId xmlns:a16="http://schemas.microsoft.com/office/drawing/2010/main" xmlns:vt="http://schemas.openxmlformats.org/officeDocument/2006/docPropsVTypes" xmlns:ns1="http://schemas.openxmlformats.org/officeDocument/2006/extended-properties" xmlns:cs="http://schemas.microsoft.com/office/drawing/2012/chartStyle" xmlns:c="http://schemas.openxmlformats.org/drawingml/2006/chart" xmlns="" id="{549F0B17-9442-48D3-A74E-8BD9A2D8E258}"/>
+                <a16:creationId xmlns="" xmlns:c="http://schemas.openxmlformats.org/drawingml/2006/chart" xmlns:cs="http://schemas.microsoft.com/office/drawing/2012/chartStyle" xmlns:ns1="http://schemas.openxmlformats.org/officeDocument/2006/extended-properties" xmlns:vt="http://schemas.openxmlformats.org/officeDocument/2006/docPropsVTypes" xmlns:a16="http://schemas.microsoft.com/office/drawing/2010/main" id="{549F0B17-9442-48D3-A74E-8BD9A2D8E258}"/>
               </a:ext>
             </a:extLst>
           </p:cNvPr>
@@ -8165,7 +8103,7 @@
     </p:spTree>
     <p:extLst>
       <p:ext uri="{AABDE307-2D8C-40E1-9B7E-0DE2EBEC3E56}">
-        <p14:creationId xmlns:p14="http://schemas.microsoft.com/office/powerpoint/2010/main" xmlns:vt="http://schemas.openxmlformats.org/officeDocument/2006/docPropsVTypes" xmlns:ns1="http://schemas.openxmlformats.org/officeDocument/2006/extended-properties" xmlns:cs="http://schemas.microsoft.com/office/drawing/2012/chartStyle" xmlns:c="http://schemas.openxmlformats.org/drawingml/2006/chart" xmlns="" val="1639045035706"/>
+        <p14:creationId xmlns="" xmlns:c="http://schemas.openxmlformats.org/drawingml/2006/chart" xmlns:cs="http://schemas.microsoft.com/office/drawing/2012/chartStyle" xmlns:ns1="http://schemas.openxmlformats.org/officeDocument/2006/extended-properties" xmlns:vt="http://schemas.openxmlformats.org/officeDocument/2006/docPropsVTypes" xmlns:p14="http://schemas.microsoft.com/office/powerpoint/2010/main" val="1639045035706"/>
       </p:ext>
     </p:extLst>
   </p:cSld>
